--- a/trunk/eagle/oversigt/UCcarOverview.pptx
+++ b/trunk/eagle/oversigt/UCcarOverview.pptx
@@ -6,9 +6,10 @@
   </p:sldMasterIdLst>
   <p:sldIdLst>
     <p:sldId id="256" r:id="rId2"/>
+    <p:sldId id="257" r:id="rId3"/>
   </p:sldIdLst>
   <p:sldSz cx="9144000" cy="6858000" type="screen4x3"/>
-  <p:notesSz cx="6858000" cy="9144000"/>
+  <p:notesSz cx="6797675" cy="9872663"/>
   <p:defaultTextStyle>
     <a:defPPr>
       <a:defRPr lang="da-DK"/>
@@ -288,7 +289,7 @@
           <a:p>
             <a:fld id="{4CF1D53C-3199-4979-A1A9-E22E54304434}" type="datetimeFigureOut">
               <a:rPr lang="da-DK" smtClean="0"/>
-              <a:t>23-10-2010</a:t>
+              <a:t>26-10-2010</a:t>
             </a:fld>
             <a:endParaRPr lang="da-DK"/>
           </a:p>
@@ -458,7 +459,7 @@
           <a:p>
             <a:fld id="{4CF1D53C-3199-4979-A1A9-E22E54304434}" type="datetimeFigureOut">
               <a:rPr lang="da-DK" smtClean="0"/>
-              <a:t>23-10-2010</a:t>
+              <a:t>26-10-2010</a:t>
             </a:fld>
             <a:endParaRPr lang="da-DK"/>
           </a:p>
@@ -638,7 +639,7 @@
           <a:p>
             <a:fld id="{4CF1D53C-3199-4979-A1A9-E22E54304434}" type="datetimeFigureOut">
               <a:rPr lang="da-DK" smtClean="0"/>
-              <a:t>23-10-2010</a:t>
+              <a:t>26-10-2010</a:t>
             </a:fld>
             <a:endParaRPr lang="da-DK"/>
           </a:p>
@@ -808,7 +809,7 @@
           <a:p>
             <a:fld id="{4CF1D53C-3199-4979-A1A9-E22E54304434}" type="datetimeFigureOut">
               <a:rPr lang="da-DK" smtClean="0"/>
-              <a:t>23-10-2010</a:t>
+              <a:t>26-10-2010</a:t>
             </a:fld>
             <a:endParaRPr lang="da-DK"/>
           </a:p>
@@ -1054,7 +1055,7 @@
           <a:p>
             <a:fld id="{4CF1D53C-3199-4979-A1A9-E22E54304434}" type="datetimeFigureOut">
               <a:rPr lang="da-DK" smtClean="0"/>
-              <a:t>23-10-2010</a:t>
+              <a:t>26-10-2010</a:t>
             </a:fld>
             <a:endParaRPr lang="da-DK"/>
           </a:p>
@@ -1342,7 +1343,7 @@
           <a:p>
             <a:fld id="{4CF1D53C-3199-4979-A1A9-E22E54304434}" type="datetimeFigureOut">
               <a:rPr lang="da-DK" smtClean="0"/>
-              <a:t>23-10-2010</a:t>
+              <a:t>26-10-2010</a:t>
             </a:fld>
             <a:endParaRPr lang="da-DK"/>
           </a:p>
@@ -1764,7 +1765,7 @@
           <a:p>
             <a:fld id="{4CF1D53C-3199-4979-A1A9-E22E54304434}" type="datetimeFigureOut">
               <a:rPr lang="da-DK" smtClean="0"/>
-              <a:t>23-10-2010</a:t>
+              <a:t>26-10-2010</a:t>
             </a:fld>
             <a:endParaRPr lang="da-DK"/>
           </a:p>
@@ -1882,7 +1883,7 @@
           <a:p>
             <a:fld id="{4CF1D53C-3199-4979-A1A9-E22E54304434}" type="datetimeFigureOut">
               <a:rPr lang="da-DK" smtClean="0"/>
-              <a:t>23-10-2010</a:t>
+              <a:t>26-10-2010</a:t>
             </a:fld>
             <a:endParaRPr lang="da-DK"/>
           </a:p>
@@ -1977,7 +1978,7 @@
           <a:p>
             <a:fld id="{4CF1D53C-3199-4979-A1A9-E22E54304434}" type="datetimeFigureOut">
               <a:rPr lang="da-DK" smtClean="0"/>
-              <a:t>23-10-2010</a:t>
+              <a:t>26-10-2010</a:t>
             </a:fld>
             <a:endParaRPr lang="da-DK"/>
           </a:p>
@@ -2254,7 +2255,7 @@
           <a:p>
             <a:fld id="{4CF1D53C-3199-4979-A1A9-E22E54304434}" type="datetimeFigureOut">
               <a:rPr lang="da-DK" smtClean="0"/>
-              <a:t>23-10-2010</a:t>
+              <a:t>26-10-2010</a:t>
             </a:fld>
             <a:endParaRPr lang="da-DK"/>
           </a:p>
@@ -2507,7 +2508,7 @@
           <a:p>
             <a:fld id="{4CF1D53C-3199-4979-A1A9-E22E54304434}" type="datetimeFigureOut">
               <a:rPr lang="da-DK" smtClean="0"/>
-              <a:t>23-10-2010</a:t>
+              <a:t>26-10-2010</a:t>
             </a:fld>
             <a:endParaRPr lang="da-DK"/>
           </a:p>
@@ -2720,7 +2721,7 @@
           <a:p>
             <a:fld id="{4CF1D53C-3199-4979-A1A9-E22E54304434}" type="datetimeFigureOut">
               <a:rPr lang="da-DK" smtClean="0"/>
-              <a:t>23-10-2010</a:t>
+              <a:t>26-10-2010</a:t>
             </a:fld>
             <a:endParaRPr lang="da-DK"/>
           </a:p>
@@ -4267,7 +4268,6 @@
               <a:rPr lang="en-US" dirty="0" smtClean="0"/>
               <a:t> press  </a:t>
             </a:r>
-            <a:endParaRPr lang="en-US" dirty="0" smtClean="0"/>
           </a:p>
           <a:p>
             <a:r>
@@ -4292,6 +4292,4604 @@
   <p:clrMapOvr>
     <a:masterClrMapping/>
   </p:clrMapOvr>
+  <p:timing>
+    <p:tnLst>
+      <p:par>
+        <p:cTn id="1" dur="indefinite" restart="never" nodeType="tmRoot"/>
+      </p:par>
+    </p:tnLst>
+  </p:timing>
+</p:sld>
+</file>
+
+<file path=ppt/slides/slide2.xml><?xml version="1.0" encoding="utf-8"?>
+<p:sld xmlns:a="http://schemas.openxmlformats.org/drawingml/2006/main" xmlns:r="http://schemas.openxmlformats.org/officeDocument/2006/relationships" xmlns:p="http://schemas.openxmlformats.org/presentationml/2006/main">
+  <p:cSld>
+    <p:spTree>
+      <p:nvGrpSpPr>
+        <p:cNvPr id="1" name=""/>
+        <p:cNvGrpSpPr/>
+        <p:nvPr/>
+      </p:nvGrpSpPr>
+      <p:grpSpPr>
+        <a:xfrm>
+          <a:off x="0" y="0"/>
+          <a:ext cx="0" cy="0"/>
+          <a:chOff x="0" y="0"/>
+          <a:chExt cx="0" cy="0"/>
+        </a:xfrm>
+      </p:grpSpPr>
+      <p:sp>
+        <p:nvSpPr>
+          <p:cNvPr id="4" name="Snip Same Side Corner Rectangle 3"/>
+          <p:cNvSpPr/>
+          <p:nvPr/>
+        </p:nvSpPr>
+        <p:spPr>
+          <a:xfrm rot="5400000">
+            <a:off x="2755186" y="-207404"/>
+            <a:ext cx="2088232" cy="7200800"/>
+          </a:xfrm>
+          <a:prstGeom prst="snip2SameRect">
+            <a:avLst>
+              <a:gd name="adj1" fmla="val 35359"/>
+              <a:gd name="adj2" fmla="val 0"/>
+            </a:avLst>
+          </a:prstGeom>
+          <a:solidFill>
+            <a:schemeClr val="bg2">
+              <a:lumMod val="90000"/>
+            </a:schemeClr>
+          </a:solidFill>
+          <a:ln>
+            <a:solidFill>
+              <a:schemeClr val="bg2">
+                <a:lumMod val="90000"/>
+              </a:schemeClr>
+            </a:solidFill>
+          </a:ln>
+        </p:spPr>
+        <p:style>
+          <a:lnRef idx="2">
+            <a:schemeClr val="accent1">
+              <a:shade val="50000"/>
+            </a:schemeClr>
+          </a:lnRef>
+          <a:fillRef idx="1">
+            <a:schemeClr val="accent1"/>
+          </a:fillRef>
+          <a:effectRef idx="0">
+            <a:schemeClr val="accent1"/>
+          </a:effectRef>
+          <a:fontRef idx="minor">
+            <a:schemeClr val="lt1"/>
+          </a:fontRef>
+        </p:style>
+        <p:txBody>
+          <a:bodyPr rtlCol="0" anchor="ctr"/>
+          <a:lstStyle/>
+          <a:p>
+            <a:pPr algn="ctr"/>
+            <a:r>
+              <a:rPr lang="da-DK" dirty="0" smtClean="0"/>
+              <a:t>	 </a:t>
+            </a:r>
+            <a:endParaRPr lang="da-DK" dirty="0"/>
+          </a:p>
+        </p:txBody>
+      </p:sp>
+      <p:sp>
+        <p:nvSpPr>
+          <p:cNvPr id="5" name="Isosceles Triangle 4"/>
+          <p:cNvSpPr/>
+          <p:nvPr/>
+        </p:nvSpPr>
+        <p:spPr>
+          <a:xfrm>
+            <a:off x="1855086" y="1268760"/>
+            <a:ext cx="4752528" cy="1080120"/>
+          </a:xfrm>
+          <a:prstGeom prst="triangle">
+            <a:avLst>
+              <a:gd name="adj" fmla="val 26153"/>
+            </a:avLst>
+          </a:prstGeom>
+          <a:solidFill>
+            <a:schemeClr val="bg2">
+              <a:lumMod val="90000"/>
+            </a:schemeClr>
+          </a:solidFill>
+          <a:ln>
+            <a:solidFill>
+              <a:schemeClr val="bg1">
+                <a:lumMod val="75000"/>
+              </a:schemeClr>
+            </a:solidFill>
+          </a:ln>
+        </p:spPr>
+        <p:style>
+          <a:lnRef idx="2">
+            <a:schemeClr val="accent1">
+              <a:shade val="50000"/>
+            </a:schemeClr>
+          </a:lnRef>
+          <a:fillRef idx="1">
+            <a:schemeClr val="accent1"/>
+          </a:fillRef>
+          <a:effectRef idx="0">
+            <a:schemeClr val="accent1"/>
+          </a:effectRef>
+          <a:fontRef idx="minor">
+            <a:schemeClr val="lt1"/>
+          </a:fontRef>
+        </p:style>
+        <p:txBody>
+          <a:bodyPr rtlCol="0" anchor="ctr"/>
+          <a:lstStyle/>
+          <a:p>
+            <a:pPr algn="ctr"/>
+            <a:endParaRPr lang="da-DK"/>
+          </a:p>
+        </p:txBody>
+      </p:sp>
+      <p:sp>
+        <p:nvSpPr>
+          <p:cNvPr id="7" name="Rounded Rectangle 6"/>
+          <p:cNvSpPr/>
+          <p:nvPr/>
+        </p:nvSpPr>
+        <p:spPr>
+          <a:xfrm>
+            <a:off x="6391590" y="2403899"/>
+            <a:ext cx="2520280" cy="1961206"/>
+          </a:xfrm>
+          <a:prstGeom prst="roundRect">
+            <a:avLst/>
+          </a:prstGeom>
+          <a:solidFill>
+            <a:schemeClr val="bg2">
+              <a:lumMod val="90000"/>
+            </a:schemeClr>
+          </a:solidFill>
+          <a:ln>
+            <a:solidFill>
+              <a:schemeClr val="bg2">
+                <a:lumMod val="90000"/>
+              </a:schemeClr>
+            </a:solidFill>
+          </a:ln>
+        </p:spPr>
+        <p:style>
+          <a:lnRef idx="2">
+            <a:schemeClr val="accent1">
+              <a:shade val="50000"/>
+            </a:schemeClr>
+          </a:lnRef>
+          <a:fillRef idx="1">
+            <a:schemeClr val="accent1"/>
+          </a:fillRef>
+          <a:effectRef idx="0">
+            <a:schemeClr val="accent1"/>
+          </a:effectRef>
+          <a:fontRef idx="minor">
+            <a:schemeClr val="lt1"/>
+          </a:fontRef>
+        </p:style>
+        <p:txBody>
+          <a:bodyPr rtlCol="0" anchor="ctr"/>
+          <a:lstStyle/>
+          <a:p>
+            <a:pPr algn="ctr"/>
+            <a:endParaRPr lang="da-DK"/>
+          </a:p>
+        </p:txBody>
+      </p:sp>
+      <p:sp>
+        <p:nvSpPr>
+          <p:cNvPr id="8" name="Rounded Rectangle 7"/>
+          <p:cNvSpPr/>
+          <p:nvPr/>
+        </p:nvSpPr>
+        <p:spPr>
+          <a:xfrm>
+            <a:off x="7183678" y="1016732"/>
+            <a:ext cx="1728192" cy="684076"/>
+          </a:xfrm>
+          <a:prstGeom prst="roundRect">
+            <a:avLst/>
+          </a:prstGeom>
+          <a:solidFill>
+            <a:schemeClr val="tx1">
+              <a:lumMod val="75000"/>
+              <a:lumOff val="25000"/>
+            </a:schemeClr>
+          </a:solidFill>
+        </p:spPr>
+        <p:style>
+          <a:lnRef idx="2">
+            <a:schemeClr val="accent1">
+              <a:shade val="50000"/>
+            </a:schemeClr>
+          </a:lnRef>
+          <a:fillRef idx="1">
+            <a:schemeClr val="accent1"/>
+          </a:fillRef>
+          <a:effectRef idx="0">
+            <a:schemeClr val="accent1"/>
+          </a:effectRef>
+          <a:fontRef idx="minor">
+            <a:schemeClr val="lt1"/>
+          </a:fontRef>
+        </p:style>
+        <p:txBody>
+          <a:bodyPr rtlCol="0" anchor="ctr"/>
+          <a:lstStyle/>
+          <a:p>
+            <a:pPr algn="ctr"/>
+            <a:endParaRPr lang="da-DK"/>
+          </a:p>
+        </p:txBody>
+      </p:sp>
+      <p:sp>
+        <p:nvSpPr>
+          <p:cNvPr id="10" name="Rounded Rectangle 9"/>
+          <p:cNvSpPr/>
+          <p:nvPr/>
+        </p:nvSpPr>
+        <p:spPr>
+          <a:xfrm>
+            <a:off x="7183678" y="5085184"/>
+            <a:ext cx="1728192" cy="684076"/>
+          </a:xfrm>
+          <a:prstGeom prst="roundRect">
+            <a:avLst/>
+          </a:prstGeom>
+          <a:solidFill>
+            <a:schemeClr val="tx1">
+              <a:lumMod val="75000"/>
+              <a:lumOff val="25000"/>
+            </a:schemeClr>
+          </a:solidFill>
+        </p:spPr>
+        <p:style>
+          <a:lnRef idx="2">
+            <a:schemeClr val="accent1">
+              <a:shade val="50000"/>
+            </a:schemeClr>
+          </a:lnRef>
+          <a:fillRef idx="1">
+            <a:schemeClr val="accent1"/>
+          </a:fillRef>
+          <a:effectRef idx="0">
+            <a:schemeClr val="accent1"/>
+          </a:effectRef>
+          <a:fontRef idx="minor">
+            <a:schemeClr val="lt1"/>
+          </a:fontRef>
+        </p:style>
+        <p:txBody>
+          <a:bodyPr rtlCol="0" anchor="ctr"/>
+          <a:lstStyle/>
+          <a:p>
+            <a:pPr algn="ctr"/>
+            <a:endParaRPr lang="da-DK"/>
+          </a:p>
+        </p:txBody>
+      </p:sp>
+      <p:cxnSp>
+        <p:nvCxnSpPr>
+          <p:cNvPr id="12" name="Straight Connector 11"/>
+          <p:cNvCxnSpPr>
+            <a:stCxn id="8" idx="2"/>
+            <a:endCxn id="7" idx="0"/>
+          </p:cNvCxnSpPr>
+          <p:nvPr/>
+        </p:nvCxnSpPr>
+        <p:spPr>
+          <a:xfrm flipH="1">
+            <a:off x="7651730" y="1700808"/>
+            <a:ext cx="396044" cy="703091"/>
+          </a:xfrm>
+          <a:prstGeom prst="line">
+            <a:avLst/>
+          </a:prstGeom>
+          <a:ln w="57150">
+            <a:solidFill>
+              <a:schemeClr val="tx1"/>
+            </a:solidFill>
+          </a:ln>
+        </p:spPr>
+        <p:style>
+          <a:lnRef idx="1">
+            <a:schemeClr val="accent1"/>
+          </a:lnRef>
+          <a:fillRef idx="0">
+            <a:schemeClr val="accent1"/>
+          </a:fillRef>
+          <a:effectRef idx="0">
+            <a:schemeClr val="accent1"/>
+          </a:effectRef>
+          <a:fontRef idx="minor">
+            <a:schemeClr val="tx1"/>
+          </a:fontRef>
+        </p:style>
+      </p:cxnSp>
+      <p:cxnSp>
+        <p:nvCxnSpPr>
+          <p:cNvPr id="13" name="Straight Connector 12"/>
+          <p:cNvCxnSpPr/>
+          <p:nvPr/>
+        </p:nvCxnSpPr>
+        <p:spPr>
+          <a:xfrm flipH="1" flipV="1">
+            <a:off x="8047774" y="1700808"/>
+            <a:ext cx="396044" cy="703090"/>
+          </a:xfrm>
+          <a:prstGeom prst="line">
+            <a:avLst/>
+          </a:prstGeom>
+          <a:ln w="57150">
+            <a:solidFill>
+              <a:schemeClr val="tx1"/>
+            </a:solidFill>
+          </a:ln>
+        </p:spPr>
+        <p:style>
+          <a:lnRef idx="1">
+            <a:schemeClr val="accent1"/>
+          </a:lnRef>
+          <a:fillRef idx="0">
+            <a:schemeClr val="accent1"/>
+          </a:fillRef>
+          <a:effectRef idx="0">
+            <a:schemeClr val="accent1"/>
+          </a:effectRef>
+          <a:fontRef idx="minor">
+            <a:schemeClr val="tx1"/>
+          </a:fontRef>
+        </p:style>
+      </p:cxnSp>
+      <p:cxnSp>
+        <p:nvCxnSpPr>
+          <p:cNvPr id="14" name="Straight Connector 13"/>
+          <p:cNvCxnSpPr/>
+          <p:nvPr/>
+        </p:nvCxnSpPr>
+        <p:spPr>
+          <a:xfrm>
+            <a:off x="7672230" y="4365104"/>
+            <a:ext cx="396044" cy="703090"/>
+          </a:xfrm>
+          <a:prstGeom prst="line">
+            <a:avLst/>
+          </a:prstGeom>
+          <a:ln w="57150">
+            <a:solidFill>
+              <a:schemeClr val="tx1"/>
+            </a:solidFill>
+          </a:ln>
+        </p:spPr>
+        <p:style>
+          <a:lnRef idx="1">
+            <a:schemeClr val="accent1"/>
+          </a:lnRef>
+          <a:fillRef idx="0">
+            <a:schemeClr val="accent1"/>
+          </a:fillRef>
+          <a:effectRef idx="0">
+            <a:schemeClr val="accent1"/>
+          </a:effectRef>
+          <a:fontRef idx="minor">
+            <a:schemeClr val="tx1"/>
+          </a:fontRef>
+        </p:style>
+      </p:cxnSp>
+      <p:cxnSp>
+        <p:nvCxnSpPr>
+          <p:cNvPr id="15" name="Straight Connector 14"/>
+          <p:cNvCxnSpPr/>
+          <p:nvPr/>
+        </p:nvCxnSpPr>
+        <p:spPr>
+          <a:xfrm flipV="1">
+            <a:off x="8059254" y="4365104"/>
+            <a:ext cx="396044" cy="703090"/>
+          </a:xfrm>
+          <a:prstGeom prst="line">
+            <a:avLst/>
+          </a:prstGeom>
+          <a:ln w="57150">
+            <a:solidFill>
+              <a:schemeClr val="tx1"/>
+            </a:solidFill>
+          </a:ln>
+        </p:spPr>
+        <p:style>
+          <a:lnRef idx="1">
+            <a:schemeClr val="accent1"/>
+          </a:lnRef>
+          <a:fillRef idx="0">
+            <a:schemeClr val="accent1"/>
+          </a:fillRef>
+          <a:effectRef idx="0">
+            <a:schemeClr val="accent1"/>
+          </a:effectRef>
+          <a:fontRef idx="minor">
+            <a:schemeClr val="tx1"/>
+          </a:fontRef>
+        </p:style>
+      </p:cxnSp>
+      <p:sp>
+        <p:nvSpPr>
+          <p:cNvPr id="16" name="Rounded Rectangle 15"/>
+          <p:cNvSpPr/>
+          <p:nvPr/>
+        </p:nvSpPr>
+        <p:spPr>
+          <a:xfrm>
+            <a:off x="198902" y="1052736"/>
+            <a:ext cx="1728192" cy="684076"/>
+          </a:xfrm>
+          <a:prstGeom prst="roundRect">
+            <a:avLst/>
+          </a:prstGeom>
+          <a:solidFill>
+            <a:schemeClr val="tx1">
+              <a:lumMod val="75000"/>
+              <a:lumOff val="25000"/>
+            </a:schemeClr>
+          </a:solidFill>
+        </p:spPr>
+        <p:style>
+          <a:lnRef idx="2">
+            <a:schemeClr val="accent1">
+              <a:shade val="50000"/>
+            </a:schemeClr>
+          </a:lnRef>
+          <a:fillRef idx="1">
+            <a:schemeClr val="accent1"/>
+          </a:fillRef>
+          <a:effectRef idx="0">
+            <a:schemeClr val="accent1"/>
+          </a:effectRef>
+          <a:fontRef idx="minor">
+            <a:schemeClr val="lt1"/>
+          </a:fontRef>
+        </p:style>
+        <p:txBody>
+          <a:bodyPr rtlCol="0" anchor="ctr"/>
+          <a:lstStyle/>
+          <a:p>
+            <a:pPr algn="ctr"/>
+            <a:endParaRPr lang="da-DK"/>
+          </a:p>
+        </p:txBody>
+      </p:sp>
+      <p:cxnSp>
+        <p:nvCxnSpPr>
+          <p:cNvPr id="17" name="Straight Connector 16"/>
+          <p:cNvCxnSpPr>
+            <a:stCxn id="16" idx="2"/>
+          </p:cNvCxnSpPr>
+          <p:nvPr/>
+        </p:nvCxnSpPr>
+        <p:spPr>
+          <a:xfrm>
+            <a:off x="1062998" y="1736812"/>
+            <a:ext cx="0" cy="612068"/>
+          </a:xfrm>
+          <a:prstGeom prst="line">
+            <a:avLst/>
+          </a:prstGeom>
+          <a:ln w="127000">
+            <a:solidFill>
+              <a:schemeClr val="tx1"/>
+            </a:solidFill>
+          </a:ln>
+        </p:spPr>
+        <p:style>
+          <a:lnRef idx="1">
+            <a:schemeClr val="accent1"/>
+          </a:lnRef>
+          <a:fillRef idx="0">
+            <a:schemeClr val="accent1"/>
+          </a:fillRef>
+          <a:effectRef idx="0">
+            <a:schemeClr val="accent1"/>
+          </a:effectRef>
+          <a:fontRef idx="minor">
+            <a:schemeClr val="tx1"/>
+          </a:fontRef>
+        </p:style>
+      </p:cxnSp>
+      <p:sp>
+        <p:nvSpPr>
+          <p:cNvPr id="20" name="Rounded Rectangle 19"/>
+          <p:cNvSpPr/>
+          <p:nvPr/>
+        </p:nvSpPr>
+        <p:spPr>
+          <a:xfrm>
+            <a:off x="190571" y="5049180"/>
+            <a:ext cx="1728192" cy="684076"/>
+          </a:xfrm>
+          <a:prstGeom prst="roundRect">
+            <a:avLst/>
+          </a:prstGeom>
+          <a:solidFill>
+            <a:schemeClr val="tx1">
+              <a:lumMod val="75000"/>
+              <a:lumOff val="25000"/>
+            </a:schemeClr>
+          </a:solidFill>
+        </p:spPr>
+        <p:style>
+          <a:lnRef idx="2">
+            <a:schemeClr val="accent1">
+              <a:shade val="50000"/>
+            </a:schemeClr>
+          </a:lnRef>
+          <a:fillRef idx="1">
+            <a:schemeClr val="accent1"/>
+          </a:fillRef>
+          <a:effectRef idx="0">
+            <a:schemeClr val="accent1"/>
+          </a:effectRef>
+          <a:fontRef idx="minor">
+            <a:schemeClr val="lt1"/>
+          </a:fontRef>
+        </p:style>
+        <p:txBody>
+          <a:bodyPr rtlCol="0" anchor="ctr"/>
+          <a:lstStyle/>
+          <a:p>
+            <a:pPr algn="ctr"/>
+            <a:endParaRPr lang="da-DK"/>
+          </a:p>
+        </p:txBody>
+      </p:sp>
+      <p:cxnSp>
+        <p:nvCxnSpPr>
+          <p:cNvPr id="21" name="Straight Connector 20"/>
+          <p:cNvCxnSpPr/>
+          <p:nvPr/>
+        </p:nvCxnSpPr>
+        <p:spPr>
+          <a:xfrm>
+            <a:off x="1067546" y="4437112"/>
+            <a:ext cx="0" cy="612068"/>
+          </a:xfrm>
+          <a:prstGeom prst="line">
+            <a:avLst/>
+          </a:prstGeom>
+          <a:ln w="127000">
+            <a:solidFill>
+              <a:schemeClr val="tx1"/>
+            </a:solidFill>
+          </a:ln>
+        </p:spPr>
+        <p:style>
+          <a:lnRef idx="1">
+            <a:schemeClr val="accent1"/>
+          </a:lnRef>
+          <a:fillRef idx="0">
+            <a:schemeClr val="accent1"/>
+          </a:fillRef>
+          <a:effectRef idx="0">
+            <a:schemeClr val="accent1"/>
+          </a:effectRef>
+          <a:fontRef idx="minor">
+            <a:schemeClr val="tx1"/>
+          </a:fontRef>
+        </p:style>
+      </p:cxnSp>
+      <p:sp>
+        <p:nvSpPr>
+          <p:cNvPr id="25" name="Isosceles Triangle 24"/>
+          <p:cNvSpPr/>
+          <p:nvPr/>
+        </p:nvSpPr>
+        <p:spPr>
+          <a:xfrm flipV="1">
+            <a:off x="1855086" y="4437112"/>
+            <a:ext cx="4752528" cy="1080120"/>
+          </a:xfrm>
+          <a:prstGeom prst="triangle">
+            <a:avLst>
+              <a:gd name="adj" fmla="val 26153"/>
+            </a:avLst>
+          </a:prstGeom>
+          <a:solidFill>
+            <a:schemeClr val="bg2">
+              <a:lumMod val="90000"/>
+            </a:schemeClr>
+          </a:solidFill>
+          <a:ln>
+            <a:solidFill>
+              <a:schemeClr val="bg1">
+                <a:lumMod val="75000"/>
+              </a:schemeClr>
+            </a:solidFill>
+          </a:ln>
+        </p:spPr>
+        <p:style>
+          <a:lnRef idx="2">
+            <a:schemeClr val="accent1">
+              <a:shade val="50000"/>
+            </a:schemeClr>
+          </a:lnRef>
+          <a:fillRef idx="1">
+            <a:schemeClr val="accent1"/>
+          </a:fillRef>
+          <a:effectRef idx="0">
+            <a:schemeClr val="accent1"/>
+          </a:effectRef>
+          <a:fontRef idx="minor">
+            <a:schemeClr val="lt1"/>
+          </a:fontRef>
+        </p:style>
+        <p:txBody>
+          <a:bodyPr rtlCol="0" anchor="ctr"/>
+          <a:lstStyle/>
+          <a:p>
+            <a:pPr algn="ctr"/>
+            <a:endParaRPr lang="da-DK"/>
+          </a:p>
+        </p:txBody>
+      </p:sp>
+      <p:sp>
+        <p:nvSpPr>
+          <p:cNvPr id="26" name="Rounded Rectangle 25"/>
+          <p:cNvSpPr/>
+          <p:nvPr/>
+        </p:nvSpPr>
+        <p:spPr>
+          <a:xfrm>
+            <a:off x="2287134" y="2852936"/>
+            <a:ext cx="4176464" cy="1080120"/>
+          </a:xfrm>
+          <a:prstGeom prst="roundRect">
+            <a:avLst/>
+          </a:prstGeom>
+          <a:solidFill>
+            <a:schemeClr val="tx1">
+              <a:lumMod val="85000"/>
+              <a:lumOff val="15000"/>
+            </a:schemeClr>
+          </a:solidFill>
+          <a:ln>
+            <a:noFill/>
+          </a:ln>
+        </p:spPr>
+        <p:style>
+          <a:lnRef idx="2">
+            <a:schemeClr val="accent1">
+              <a:shade val="50000"/>
+            </a:schemeClr>
+          </a:lnRef>
+          <a:fillRef idx="1">
+            <a:schemeClr val="accent1"/>
+          </a:fillRef>
+          <a:effectRef idx="0">
+            <a:schemeClr val="accent1"/>
+          </a:effectRef>
+          <a:fontRef idx="minor">
+            <a:schemeClr val="lt1"/>
+          </a:fontRef>
+        </p:style>
+        <p:txBody>
+          <a:bodyPr rtlCol="0" anchor="ctr"/>
+          <a:lstStyle/>
+          <a:p>
+            <a:pPr algn="ctr"/>
+            <a:endParaRPr lang="da-DK"/>
+          </a:p>
+        </p:txBody>
+      </p:sp>
+      <p:cxnSp>
+        <p:nvCxnSpPr>
+          <p:cNvPr id="28" name="Straight Connector 27"/>
+          <p:cNvCxnSpPr/>
+          <p:nvPr/>
+        </p:nvCxnSpPr>
+        <p:spPr>
+          <a:xfrm>
+            <a:off x="2287134" y="2348880"/>
+            <a:ext cx="0" cy="2088232"/>
+          </a:xfrm>
+          <a:prstGeom prst="line">
+            <a:avLst/>
+          </a:prstGeom>
+          <a:ln w="38100">
+            <a:solidFill>
+              <a:schemeClr val="tx1"/>
+            </a:solidFill>
+          </a:ln>
+        </p:spPr>
+        <p:style>
+          <a:lnRef idx="1">
+            <a:schemeClr val="accent1"/>
+          </a:lnRef>
+          <a:fillRef idx="0">
+            <a:schemeClr val="accent1"/>
+          </a:fillRef>
+          <a:effectRef idx="0">
+            <a:schemeClr val="accent1"/>
+          </a:effectRef>
+          <a:fontRef idx="minor">
+            <a:schemeClr val="tx1"/>
+          </a:fontRef>
+        </p:style>
+      </p:cxnSp>
+      <p:sp>
+        <p:nvSpPr>
+          <p:cNvPr id="30" name="Flowchart: Delay 29"/>
+          <p:cNvSpPr/>
+          <p:nvPr/>
+        </p:nvSpPr>
+        <p:spPr>
+          <a:xfrm>
+            <a:off x="2287134" y="2636912"/>
+            <a:ext cx="3384376" cy="1512168"/>
+          </a:xfrm>
+          <a:prstGeom prst="flowChartDelay">
+            <a:avLst/>
+          </a:prstGeom>
+          <a:solidFill>
+            <a:schemeClr val="tx1">
+              <a:lumMod val="85000"/>
+              <a:lumOff val="15000"/>
+            </a:schemeClr>
+          </a:solidFill>
+          <a:ln>
+            <a:noFill/>
+          </a:ln>
+        </p:spPr>
+        <p:style>
+          <a:lnRef idx="2">
+            <a:schemeClr val="accent1">
+              <a:shade val="50000"/>
+            </a:schemeClr>
+          </a:lnRef>
+          <a:fillRef idx="1">
+            <a:schemeClr val="accent1"/>
+          </a:fillRef>
+          <a:effectRef idx="0">
+            <a:schemeClr val="accent1"/>
+          </a:effectRef>
+          <a:fontRef idx="minor">
+            <a:schemeClr val="lt1"/>
+          </a:fontRef>
+        </p:style>
+        <p:txBody>
+          <a:bodyPr rtlCol="0" anchor="ctr"/>
+          <a:lstStyle/>
+          <a:p>
+            <a:pPr algn="ctr"/>
+            <a:endParaRPr lang="da-DK"/>
+          </a:p>
+        </p:txBody>
+      </p:sp>
+      <p:sp>
+        <p:nvSpPr>
+          <p:cNvPr id="36" name="TextBox 35"/>
+          <p:cNvSpPr txBox="1"/>
+          <p:nvPr/>
+        </p:nvSpPr>
+        <p:spPr>
+          <a:xfrm>
+            <a:off x="7464848" y="2564904"/>
+            <a:ext cx="1355051" cy="369332"/>
+          </a:xfrm>
+          <a:prstGeom prst="rect">
+            <a:avLst/>
+          </a:prstGeom>
+        </p:spPr>
+        <p:style>
+          <a:lnRef idx="0">
+            <a:schemeClr val="accent5"/>
+          </a:lnRef>
+          <a:fillRef idx="3">
+            <a:schemeClr val="accent5"/>
+          </a:fillRef>
+          <a:effectRef idx="3">
+            <a:schemeClr val="accent5"/>
+          </a:effectRef>
+          <a:fontRef idx="minor">
+            <a:schemeClr val="lt1"/>
+          </a:fontRef>
+        </p:style>
+        <p:txBody>
+          <a:bodyPr wrap="none" rtlCol="0">
+            <a:spAutoFit/>
+          </a:bodyPr>
+          <a:lstStyle/>
+          <a:p>
+            <a:r>
+              <a:rPr lang="da-DK" dirty="0" smtClean="0">
+                <a:solidFill>
+                  <a:schemeClr val="tx1"/>
+                </a:solidFill>
+              </a:rPr>
+              <a:t>Pedal pos x3</a:t>
+            </a:r>
+            <a:endParaRPr lang="da-DK" dirty="0">
+              <a:solidFill>
+                <a:schemeClr val="tx1"/>
+              </a:solidFill>
+            </a:endParaRPr>
+          </a:p>
+        </p:txBody>
+      </p:sp>
+      <p:sp>
+        <p:nvSpPr>
+          <p:cNvPr id="37" name="TextBox 36"/>
+          <p:cNvSpPr txBox="1"/>
+          <p:nvPr/>
+        </p:nvSpPr>
+        <p:spPr>
+          <a:xfrm>
+            <a:off x="7039662" y="3748390"/>
+            <a:ext cx="1181734" cy="369332"/>
+          </a:xfrm>
+          <a:prstGeom prst="rect">
+            <a:avLst/>
+          </a:prstGeom>
+        </p:spPr>
+        <p:style>
+          <a:lnRef idx="0">
+            <a:schemeClr val="accent5"/>
+          </a:lnRef>
+          <a:fillRef idx="3">
+            <a:schemeClr val="accent5"/>
+          </a:fillRef>
+          <a:effectRef idx="3">
+            <a:schemeClr val="accent5"/>
+          </a:effectRef>
+          <a:fontRef idx="minor">
+            <a:schemeClr val="lt1"/>
+          </a:fontRef>
+        </p:style>
+        <p:txBody>
+          <a:bodyPr wrap="none" rtlCol="0">
+            <a:spAutoFit/>
+          </a:bodyPr>
+          <a:lstStyle/>
+          <a:p>
+            <a:r>
+              <a:rPr lang="da-DK" dirty="0" smtClean="0">
+                <a:solidFill>
+                  <a:schemeClr val="tx1"/>
+                </a:solidFill>
+              </a:rPr>
+              <a:t>Wheel pos</a:t>
+            </a:r>
+            <a:endParaRPr lang="da-DK" dirty="0">
+              <a:solidFill>
+                <a:schemeClr val="tx1"/>
+              </a:solidFill>
+            </a:endParaRPr>
+          </a:p>
+        </p:txBody>
+      </p:sp>
+      <p:sp>
+        <p:nvSpPr>
+          <p:cNvPr id="49" name="TextBox 48"/>
+          <p:cNvSpPr txBox="1"/>
+          <p:nvPr/>
+        </p:nvSpPr>
+        <p:spPr>
+          <a:xfrm>
+            <a:off x="949396" y="3877629"/>
+            <a:ext cx="554960" cy="369332"/>
+          </a:xfrm>
+          <a:prstGeom prst="rect">
+            <a:avLst/>
+          </a:prstGeom>
+        </p:spPr>
+        <p:style>
+          <a:lnRef idx="0">
+            <a:schemeClr val="accent5"/>
+          </a:lnRef>
+          <a:fillRef idx="3">
+            <a:schemeClr val="accent5"/>
+          </a:fillRef>
+          <a:effectRef idx="3">
+            <a:schemeClr val="accent5"/>
+          </a:effectRef>
+          <a:fontRef idx="minor">
+            <a:schemeClr val="lt1"/>
+          </a:fontRef>
+        </p:style>
+        <p:txBody>
+          <a:bodyPr wrap="none" rtlCol="0">
+            <a:spAutoFit/>
+          </a:bodyPr>
+          <a:lstStyle/>
+          <a:p>
+            <a:r>
+              <a:rPr lang="da-DK" dirty="0" smtClean="0">
+                <a:solidFill>
+                  <a:schemeClr val="tx1"/>
+                </a:solidFill>
+              </a:rPr>
+              <a:t>GPS</a:t>
+            </a:r>
+            <a:endParaRPr lang="da-DK" dirty="0">
+              <a:solidFill>
+                <a:schemeClr val="tx1"/>
+              </a:solidFill>
+            </a:endParaRPr>
+          </a:p>
+        </p:txBody>
+      </p:sp>
+      <p:sp>
+        <p:nvSpPr>
+          <p:cNvPr id="3" name="TextBox 2"/>
+          <p:cNvSpPr txBox="1"/>
+          <p:nvPr/>
+        </p:nvSpPr>
+        <p:spPr>
+          <a:xfrm>
+            <a:off x="1156758" y="2104922"/>
+            <a:ext cx="263214" cy="276999"/>
+          </a:xfrm>
+          <a:prstGeom prst="rect">
+            <a:avLst/>
+          </a:prstGeom>
+          <a:noFill/>
+        </p:spPr>
+        <p:txBody>
+          <a:bodyPr wrap="none" rtlCol="0">
+            <a:spAutoFit/>
+          </a:bodyPr>
+          <a:lstStyle/>
+          <a:p>
+            <a:r>
+              <a:rPr lang="da-DK" sz="1200" dirty="0" smtClean="0">
+                <a:solidFill>
+                  <a:srgbClr val="FF0000"/>
+                </a:solidFill>
+              </a:rPr>
+              <a:t>2</a:t>
+            </a:r>
+            <a:endParaRPr lang="da-DK" dirty="0">
+              <a:solidFill>
+                <a:srgbClr val="FF0000"/>
+              </a:solidFill>
+            </a:endParaRPr>
+          </a:p>
+        </p:txBody>
+      </p:sp>
+      <p:sp>
+        <p:nvSpPr>
+          <p:cNvPr id="6" name="Freeform 5"/>
+          <p:cNvSpPr/>
+          <p:nvPr/>
+        </p:nvSpPr>
+        <p:spPr>
+          <a:xfrm>
+            <a:off x="1062998" y="1579440"/>
+            <a:ext cx="437615" cy="1604963"/>
+          </a:xfrm>
+          <a:custGeom>
+            <a:avLst/>
+            <a:gdLst>
+              <a:gd name="connsiteX0" fmla="*/ 0 w 437615"/>
+              <a:gd name="connsiteY0" fmla="*/ 0 h 1604963"/>
+              <a:gd name="connsiteX1" fmla="*/ 152400 w 437615"/>
+              <a:gd name="connsiteY1" fmla="*/ 747713 h 1604963"/>
+              <a:gd name="connsiteX2" fmla="*/ 433388 w 437615"/>
+              <a:gd name="connsiteY2" fmla="*/ 1119188 h 1604963"/>
+              <a:gd name="connsiteX3" fmla="*/ 295275 w 437615"/>
+              <a:gd name="connsiteY3" fmla="*/ 1604963 h 1604963"/>
+            </a:gdLst>
+            <a:ahLst/>
+            <a:cxnLst>
+              <a:cxn ang="0">
+                <a:pos x="connsiteX0" y="connsiteY0"/>
+              </a:cxn>
+              <a:cxn ang="0">
+                <a:pos x="connsiteX1" y="connsiteY1"/>
+              </a:cxn>
+              <a:cxn ang="0">
+                <a:pos x="connsiteX2" y="connsiteY2"/>
+              </a:cxn>
+              <a:cxn ang="0">
+                <a:pos x="connsiteX3" y="connsiteY3"/>
+              </a:cxn>
+            </a:cxnLst>
+            <a:rect l="l" t="t" r="r" b="b"/>
+            <a:pathLst>
+              <a:path w="437615" h="1604963">
+                <a:moveTo>
+                  <a:pt x="0" y="0"/>
+                </a:moveTo>
+                <a:cubicBezTo>
+                  <a:pt x="40084" y="280591"/>
+                  <a:pt x="80169" y="561182"/>
+                  <a:pt x="152400" y="747713"/>
+                </a:cubicBezTo>
+                <a:cubicBezTo>
+                  <a:pt x="224631" y="934244"/>
+                  <a:pt x="409576" y="976313"/>
+                  <a:pt x="433388" y="1119188"/>
+                </a:cubicBezTo>
+                <a:cubicBezTo>
+                  <a:pt x="457200" y="1262063"/>
+                  <a:pt x="376237" y="1433513"/>
+                  <a:pt x="295275" y="1604963"/>
+                </a:cubicBezTo>
+              </a:path>
+            </a:pathLst>
+          </a:custGeom>
+          <a:ln>
+            <a:solidFill>
+              <a:srgbClr val="FF0000"/>
+            </a:solidFill>
+          </a:ln>
+        </p:spPr>
+        <p:style>
+          <a:lnRef idx="1">
+            <a:schemeClr val="accent1"/>
+          </a:lnRef>
+          <a:fillRef idx="0">
+            <a:schemeClr val="accent1"/>
+          </a:fillRef>
+          <a:effectRef idx="0">
+            <a:schemeClr val="accent1"/>
+          </a:effectRef>
+          <a:fontRef idx="minor">
+            <a:schemeClr val="tx1"/>
+          </a:fontRef>
+        </p:style>
+        <p:txBody>
+          <a:bodyPr rtlCol="0" anchor="ctr"/>
+          <a:lstStyle/>
+          <a:p>
+            <a:pPr algn="ctr"/>
+            <a:endParaRPr lang="da-DK"/>
+          </a:p>
+        </p:txBody>
+      </p:sp>
+      <p:sp>
+        <p:nvSpPr>
+          <p:cNvPr id="50" name="TextBox 49"/>
+          <p:cNvSpPr txBox="1"/>
+          <p:nvPr/>
+        </p:nvSpPr>
+        <p:spPr>
+          <a:xfrm>
+            <a:off x="1673270" y="2307005"/>
+            <a:ext cx="263214" cy="276999"/>
+          </a:xfrm>
+          <a:prstGeom prst="rect">
+            <a:avLst/>
+          </a:prstGeom>
+          <a:noFill/>
+        </p:spPr>
+        <p:txBody>
+          <a:bodyPr wrap="none" rtlCol="0">
+            <a:spAutoFit/>
+          </a:bodyPr>
+          <a:lstStyle/>
+          <a:p>
+            <a:r>
+              <a:rPr lang="da-DK" sz="1200" dirty="0">
+                <a:solidFill>
+                  <a:srgbClr val="FF0000"/>
+                </a:solidFill>
+              </a:rPr>
+              <a:t>3</a:t>
+            </a:r>
+            <a:endParaRPr lang="da-DK" dirty="0">
+              <a:solidFill>
+                <a:srgbClr val="FF0000"/>
+              </a:solidFill>
+            </a:endParaRPr>
+          </a:p>
+        </p:txBody>
+      </p:sp>
+      <p:sp>
+        <p:nvSpPr>
+          <p:cNvPr id="48" name="TextBox 47"/>
+          <p:cNvSpPr txBox="1"/>
+          <p:nvPr/>
+        </p:nvSpPr>
+        <p:spPr>
+          <a:xfrm>
+            <a:off x="336742" y="2627620"/>
+            <a:ext cx="1015214" cy="369332"/>
+          </a:xfrm>
+          <a:prstGeom prst="rect">
+            <a:avLst/>
+          </a:prstGeom>
+        </p:spPr>
+        <p:style>
+          <a:lnRef idx="0">
+            <a:schemeClr val="accent5"/>
+          </a:lnRef>
+          <a:fillRef idx="3">
+            <a:schemeClr val="accent5"/>
+          </a:fillRef>
+          <a:effectRef idx="3">
+            <a:schemeClr val="accent5"/>
+          </a:effectRef>
+          <a:fontRef idx="minor">
+            <a:schemeClr val="lt1"/>
+          </a:fontRef>
+        </p:style>
+        <p:txBody>
+          <a:bodyPr wrap="none" rtlCol="0">
+            <a:spAutoFit/>
+          </a:bodyPr>
+          <a:lstStyle/>
+          <a:p>
+            <a:r>
+              <a:rPr lang="da-DK" dirty="0" smtClean="0">
+                <a:solidFill>
+                  <a:schemeClr val="tx1"/>
+                </a:solidFill>
+              </a:rPr>
+              <a:t>Gear Pos</a:t>
+            </a:r>
+            <a:endParaRPr lang="da-DK" dirty="0">
+              <a:solidFill>
+                <a:schemeClr val="tx1"/>
+              </a:solidFill>
+            </a:endParaRPr>
+          </a:p>
+        </p:txBody>
+      </p:sp>
+      <p:sp>
+        <p:nvSpPr>
+          <p:cNvPr id="34" name="TextBox 33"/>
+          <p:cNvSpPr txBox="1"/>
+          <p:nvPr/>
+        </p:nvSpPr>
+        <p:spPr>
+          <a:xfrm>
+            <a:off x="373557" y="1210108"/>
+            <a:ext cx="1428596" cy="369332"/>
+          </a:xfrm>
+          <a:prstGeom prst="rect">
+            <a:avLst/>
+          </a:prstGeom>
+        </p:spPr>
+        <p:style>
+          <a:lnRef idx="0">
+            <a:schemeClr val="accent5"/>
+          </a:lnRef>
+          <a:fillRef idx="3">
+            <a:schemeClr val="accent5"/>
+          </a:fillRef>
+          <a:effectRef idx="3">
+            <a:schemeClr val="accent5"/>
+          </a:effectRef>
+          <a:fontRef idx="minor">
+            <a:schemeClr val="lt1"/>
+          </a:fontRef>
+        </p:style>
+        <p:txBody>
+          <a:bodyPr wrap="none" rtlCol="0">
+            <a:spAutoFit/>
+          </a:bodyPr>
+          <a:lstStyle/>
+          <a:p>
+            <a:r>
+              <a:rPr lang="da-DK" dirty="0" smtClean="0">
+                <a:solidFill>
+                  <a:schemeClr val="tx1"/>
+                </a:solidFill>
+              </a:rPr>
+              <a:t>Wheel Speed</a:t>
+            </a:r>
+            <a:endParaRPr lang="da-DK" dirty="0">
+              <a:solidFill>
+                <a:schemeClr val="tx1"/>
+              </a:solidFill>
+            </a:endParaRPr>
+          </a:p>
+        </p:txBody>
+      </p:sp>
+      <p:sp>
+        <p:nvSpPr>
+          <p:cNvPr id="11" name="Freeform 10"/>
+          <p:cNvSpPr/>
+          <p:nvPr/>
+        </p:nvSpPr>
+        <p:spPr>
+          <a:xfrm>
+            <a:off x="1076504" y="3543300"/>
+            <a:ext cx="155396" cy="330200"/>
+          </a:xfrm>
+          <a:custGeom>
+            <a:avLst/>
+            <a:gdLst>
+              <a:gd name="connsiteX0" fmla="*/ 155396 w 155396"/>
+              <a:gd name="connsiteY0" fmla="*/ 330200 h 330200"/>
+              <a:gd name="connsiteX1" fmla="*/ 15696 w 155396"/>
+              <a:gd name="connsiteY1" fmla="*/ 101600 h 330200"/>
+              <a:gd name="connsiteX2" fmla="*/ 9346 w 155396"/>
+              <a:gd name="connsiteY2" fmla="*/ 0 h 330200"/>
+            </a:gdLst>
+            <a:ahLst/>
+            <a:cxnLst>
+              <a:cxn ang="0">
+                <a:pos x="connsiteX0" y="connsiteY0"/>
+              </a:cxn>
+              <a:cxn ang="0">
+                <a:pos x="connsiteX1" y="connsiteY1"/>
+              </a:cxn>
+              <a:cxn ang="0">
+                <a:pos x="connsiteX2" y="connsiteY2"/>
+              </a:cxn>
+            </a:cxnLst>
+            <a:rect l="l" t="t" r="r" b="b"/>
+            <a:pathLst>
+              <a:path w="155396" h="330200">
+                <a:moveTo>
+                  <a:pt x="155396" y="330200"/>
+                </a:moveTo>
+                <a:cubicBezTo>
+                  <a:pt x="97717" y="243416"/>
+                  <a:pt x="40038" y="156633"/>
+                  <a:pt x="15696" y="101600"/>
+                </a:cubicBezTo>
+                <a:cubicBezTo>
+                  <a:pt x="-8646" y="46567"/>
+                  <a:pt x="350" y="23283"/>
+                  <a:pt x="9346" y="0"/>
+                </a:cubicBezTo>
+              </a:path>
+            </a:pathLst>
+          </a:custGeom>
+          <a:ln>
+            <a:solidFill>
+              <a:srgbClr val="FF0000"/>
+            </a:solidFill>
+          </a:ln>
+        </p:spPr>
+        <p:style>
+          <a:lnRef idx="1">
+            <a:schemeClr val="accent1"/>
+          </a:lnRef>
+          <a:fillRef idx="0">
+            <a:schemeClr val="accent1"/>
+          </a:fillRef>
+          <a:effectRef idx="0">
+            <a:schemeClr val="accent1"/>
+          </a:effectRef>
+          <a:fontRef idx="minor">
+            <a:schemeClr val="tx1"/>
+          </a:fontRef>
+        </p:style>
+        <p:txBody>
+          <a:bodyPr rtlCol="0" anchor="ctr"/>
+          <a:lstStyle/>
+          <a:p>
+            <a:pPr algn="ctr"/>
+            <a:endParaRPr lang="da-DK"/>
+          </a:p>
+        </p:txBody>
+      </p:sp>
+      <p:sp>
+        <p:nvSpPr>
+          <p:cNvPr id="18" name="Freeform 17"/>
+          <p:cNvSpPr/>
+          <p:nvPr/>
+        </p:nvSpPr>
+        <p:spPr>
+          <a:xfrm>
+            <a:off x="1358900" y="3486150"/>
+            <a:ext cx="314370" cy="946150"/>
+          </a:xfrm>
+          <a:custGeom>
+            <a:avLst/>
+            <a:gdLst>
+              <a:gd name="connsiteX0" fmla="*/ 311150 w 314370"/>
+              <a:gd name="connsiteY0" fmla="*/ 946150 h 946150"/>
+              <a:gd name="connsiteX1" fmla="*/ 269875 w 314370"/>
+              <a:gd name="connsiteY1" fmla="*/ 406400 h 946150"/>
+              <a:gd name="connsiteX2" fmla="*/ 0 w 314370"/>
+              <a:gd name="connsiteY2" fmla="*/ 0 h 946150"/>
+            </a:gdLst>
+            <a:ahLst/>
+            <a:cxnLst>
+              <a:cxn ang="0">
+                <a:pos x="connsiteX0" y="connsiteY0"/>
+              </a:cxn>
+              <a:cxn ang="0">
+                <a:pos x="connsiteX1" y="connsiteY1"/>
+              </a:cxn>
+              <a:cxn ang="0">
+                <a:pos x="connsiteX2" y="connsiteY2"/>
+              </a:cxn>
+            </a:cxnLst>
+            <a:rect l="l" t="t" r="r" b="b"/>
+            <a:pathLst>
+              <a:path w="314370" h="946150">
+                <a:moveTo>
+                  <a:pt x="311150" y="946150"/>
+                </a:moveTo>
+                <a:cubicBezTo>
+                  <a:pt x="316441" y="755121"/>
+                  <a:pt x="321733" y="564092"/>
+                  <a:pt x="269875" y="406400"/>
+                </a:cubicBezTo>
+                <a:cubicBezTo>
+                  <a:pt x="218017" y="248708"/>
+                  <a:pt x="109008" y="124354"/>
+                  <a:pt x="0" y="0"/>
+                </a:cubicBezTo>
+              </a:path>
+            </a:pathLst>
+          </a:custGeom>
+          <a:ln>
+            <a:solidFill>
+              <a:srgbClr val="FF0000"/>
+            </a:solidFill>
+          </a:ln>
+        </p:spPr>
+        <p:style>
+          <a:lnRef idx="1">
+            <a:schemeClr val="accent1"/>
+          </a:lnRef>
+          <a:fillRef idx="0">
+            <a:schemeClr val="accent1"/>
+          </a:fillRef>
+          <a:effectRef idx="0">
+            <a:schemeClr val="accent1"/>
+          </a:effectRef>
+          <a:fontRef idx="minor">
+            <a:schemeClr val="tx1"/>
+          </a:fontRef>
+        </p:style>
+        <p:txBody>
+          <a:bodyPr rtlCol="0" anchor="ctr"/>
+          <a:lstStyle/>
+          <a:p>
+            <a:pPr algn="ctr"/>
+            <a:endParaRPr lang="da-DK"/>
+          </a:p>
+        </p:txBody>
+      </p:sp>
+      <p:sp>
+        <p:nvSpPr>
+          <p:cNvPr id="19" name="Freeform 18"/>
+          <p:cNvSpPr/>
+          <p:nvPr/>
+        </p:nvSpPr>
+        <p:spPr>
+          <a:xfrm>
+            <a:off x="736408" y="3536950"/>
+            <a:ext cx="343092" cy="1676400"/>
+          </a:xfrm>
+          <a:custGeom>
+            <a:avLst/>
+            <a:gdLst>
+              <a:gd name="connsiteX0" fmla="*/ 343092 w 343092"/>
+              <a:gd name="connsiteY0" fmla="*/ 1676400 h 1676400"/>
+              <a:gd name="connsiteX1" fmla="*/ 70042 w 343092"/>
+              <a:gd name="connsiteY1" fmla="*/ 1098550 h 1676400"/>
+              <a:gd name="connsiteX2" fmla="*/ 192 w 343092"/>
+              <a:gd name="connsiteY2" fmla="*/ 336550 h 1676400"/>
+              <a:gd name="connsiteX3" fmla="*/ 82742 w 343092"/>
+              <a:gd name="connsiteY3" fmla="*/ 0 h 1676400"/>
+            </a:gdLst>
+            <a:ahLst/>
+            <a:cxnLst>
+              <a:cxn ang="0">
+                <a:pos x="connsiteX0" y="connsiteY0"/>
+              </a:cxn>
+              <a:cxn ang="0">
+                <a:pos x="connsiteX1" y="connsiteY1"/>
+              </a:cxn>
+              <a:cxn ang="0">
+                <a:pos x="connsiteX2" y="connsiteY2"/>
+              </a:cxn>
+              <a:cxn ang="0">
+                <a:pos x="connsiteX3" y="connsiteY3"/>
+              </a:cxn>
+            </a:cxnLst>
+            <a:rect l="l" t="t" r="r" b="b"/>
+            <a:pathLst>
+              <a:path w="343092" h="1676400">
+                <a:moveTo>
+                  <a:pt x="343092" y="1676400"/>
+                </a:moveTo>
+                <a:cubicBezTo>
+                  <a:pt x="235142" y="1499129"/>
+                  <a:pt x="127192" y="1321858"/>
+                  <a:pt x="70042" y="1098550"/>
+                </a:cubicBezTo>
+                <a:cubicBezTo>
+                  <a:pt x="12892" y="875242"/>
+                  <a:pt x="-1925" y="519642"/>
+                  <a:pt x="192" y="336550"/>
+                </a:cubicBezTo>
+                <a:cubicBezTo>
+                  <a:pt x="2309" y="153458"/>
+                  <a:pt x="42525" y="76729"/>
+                  <a:pt x="82742" y="0"/>
+                </a:cubicBezTo>
+              </a:path>
+            </a:pathLst>
+          </a:custGeom>
+          <a:ln>
+            <a:solidFill>
+              <a:srgbClr val="FF0000"/>
+            </a:solidFill>
+          </a:ln>
+        </p:spPr>
+        <p:style>
+          <a:lnRef idx="1">
+            <a:schemeClr val="accent1"/>
+          </a:lnRef>
+          <a:fillRef idx="0">
+            <a:schemeClr val="accent1"/>
+          </a:fillRef>
+          <a:effectRef idx="0">
+            <a:schemeClr val="accent1"/>
+          </a:effectRef>
+          <a:fontRef idx="minor">
+            <a:schemeClr val="tx1"/>
+          </a:fontRef>
+        </p:style>
+        <p:txBody>
+          <a:bodyPr rtlCol="0" anchor="ctr"/>
+          <a:lstStyle/>
+          <a:p>
+            <a:pPr algn="ctr"/>
+            <a:endParaRPr lang="da-DK"/>
+          </a:p>
+        </p:txBody>
+      </p:sp>
+      <p:sp>
+        <p:nvSpPr>
+          <p:cNvPr id="33" name="TextBox 32"/>
+          <p:cNvSpPr txBox="1"/>
+          <p:nvPr/>
+        </p:nvSpPr>
+        <p:spPr>
+          <a:xfrm>
+            <a:off x="348700" y="5206552"/>
+            <a:ext cx="1428596" cy="369332"/>
+          </a:xfrm>
+          <a:prstGeom prst="rect">
+            <a:avLst/>
+          </a:prstGeom>
+        </p:spPr>
+        <p:style>
+          <a:lnRef idx="0">
+            <a:schemeClr val="accent5"/>
+          </a:lnRef>
+          <a:fillRef idx="3">
+            <a:schemeClr val="accent5"/>
+          </a:fillRef>
+          <a:effectRef idx="3">
+            <a:schemeClr val="accent5"/>
+          </a:effectRef>
+          <a:fontRef idx="minor">
+            <a:schemeClr val="lt1"/>
+          </a:fontRef>
+        </p:style>
+        <p:txBody>
+          <a:bodyPr wrap="none" rtlCol="0">
+            <a:spAutoFit/>
+          </a:bodyPr>
+          <a:lstStyle/>
+          <a:p>
+            <a:r>
+              <a:rPr lang="da-DK" dirty="0" smtClean="0">
+                <a:solidFill>
+                  <a:schemeClr val="tx1"/>
+                </a:solidFill>
+              </a:rPr>
+              <a:t>Wheel Speed</a:t>
+            </a:r>
+            <a:endParaRPr lang="da-DK" dirty="0">
+              <a:solidFill>
+                <a:schemeClr val="tx1"/>
+              </a:solidFill>
+            </a:endParaRPr>
+          </a:p>
+        </p:txBody>
+      </p:sp>
+      <p:sp>
+        <p:nvSpPr>
+          <p:cNvPr id="47" name="TextBox 46"/>
+          <p:cNvSpPr txBox="1"/>
+          <p:nvPr/>
+        </p:nvSpPr>
+        <p:spPr>
+          <a:xfrm>
+            <a:off x="1156758" y="4437112"/>
+            <a:ext cx="986360" cy="369332"/>
+          </a:xfrm>
+          <a:prstGeom prst="rect">
+            <a:avLst/>
+          </a:prstGeom>
+        </p:spPr>
+        <p:style>
+          <a:lnRef idx="0">
+            <a:schemeClr val="accent5"/>
+          </a:lnRef>
+          <a:fillRef idx="3">
+            <a:schemeClr val="accent5"/>
+          </a:fillRef>
+          <a:effectRef idx="3">
+            <a:schemeClr val="accent5"/>
+          </a:effectRef>
+          <a:fontRef idx="minor">
+            <a:schemeClr val="lt1"/>
+          </a:fontRef>
+        </p:style>
+        <p:txBody>
+          <a:bodyPr wrap="none" rtlCol="0">
+            <a:spAutoFit/>
+          </a:bodyPr>
+          <a:lstStyle/>
+          <a:p>
+            <a:r>
+              <a:rPr lang="da-DK" dirty="0" smtClean="0">
+                <a:solidFill>
+                  <a:schemeClr val="tx1"/>
+                </a:solidFill>
+              </a:rPr>
+              <a:t>Oil Press</a:t>
+            </a:r>
+            <a:endParaRPr lang="da-DK" dirty="0">
+              <a:solidFill>
+                <a:schemeClr val="tx1"/>
+              </a:solidFill>
+            </a:endParaRPr>
+          </a:p>
+        </p:txBody>
+      </p:sp>
+      <p:sp>
+        <p:nvSpPr>
+          <p:cNvPr id="51" name="TextBox 50"/>
+          <p:cNvSpPr txBox="1"/>
+          <p:nvPr/>
+        </p:nvSpPr>
+        <p:spPr>
+          <a:xfrm>
+            <a:off x="539552" y="3840723"/>
+            <a:ext cx="263214" cy="276999"/>
+          </a:xfrm>
+          <a:prstGeom prst="rect">
+            <a:avLst/>
+          </a:prstGeom>
+          <a:noFill/>
+        </p:spPr>
+        <p:txBody>
+          <a:bodyPr wrap="none" rtlCol="0">
+            <a:spAutoFit/>
+          </a:bodyPr>
+          <a:lstStyle/>
+          <a:p>
+            <a:r>
+              <a:rPr lang="da-DK" sz="1200" dirty="0" smtClean="0">
+                <a:solidFill>
+                  <a:srgbClr val="FF0000"/>
+                </a:solidFill>
+              </a:rPr>
+              <a:t>2</a:t>
+            </a:r>
+            <a:endParaRPr lang="da-DK" dirty="0">
+              <a:solidFill>
+                <a:srgbClr val="FF0000"/>
+              </a:solidFill>
+            </a:endParaRPr>
+          </a:p>
+        </p:txBody>
+      </p:sp>
+      <p:sp>
+        <p:nvSpPr>
+          <p:cNvPr id="52" name="TextBox 51"/>
+          <p:cNvSpPr txBox="1"/>
+          <p:nvPr/>
+        </p:nvSpPr>
+        <p:spPr>
+          <a:xfrm>
+            <a:off x="923060" y="3596501"/>
+            <a:ext cx="263214" cy="276999"/>
+          </a:xfrm>
+          <a:prstGeom prst="rect">
+            <a:avLst/>
+          </a:prstGeom>
+          <a:noFill/>
+        </p:spPr>
+        <p:txBody>
+          <a:bodyPr wrap="none" rtlCol="0">
+            <a:spAutoFit/>
+          </a:bodyPr>
+          <a:lstStyle/>
+          <a:p>
+            <a:r>
+              <a:rPr lang="da-DK" sz="1200" dirty="0">
+                <a:solidFill>
+                  <a:srgbClr val="FF0000"/>
+                </a:solidFill>
+              </a:rPr>
+              <a:t>4</a:t>
+            </a:r>
+            <a:endParaRPr lang="da-DK" dirty="0">
+              <a:solidFill>
+                <a:srgbClr val="FF0000"/>
+              </a:solidFill>
+            </a:endParaRPr>
+          </a:p>
+        </p:txBody>
+      </p:sp>
+      <p:sp>
+        <p:nvSpPr>
+          <p:cNvPr id="53" name="TextBox 52"/>
+          <p:cNvSpPr txBox="1"/>
+          <p:nvPr/>
+        </p:nvSpPr>
+        <p:spPr>
+          <a:xfrm>
+            <a:off x="1533380" y="3591098"/>
+            <a:ext cx="263214" cy="276999"/>
+          </a:xfrm>
+          <a:prstGeom prst="rect">
+            <a:avLst/>
+          </a:prstGeom>
+          <a:noFill/>
+        </p:spPr>
+        <p:txBody>
+          <a:bodyPr wrap="none" rtlCol="0">
+            <a:spAutoFit/>
+          </a:bodyPr>
+          <a:lstStyle/>
+          <a:p>
+            <a:r>
+              <a:rPr lang="da-DK" sz="1200" dirty="0">
+                <a:solidFill>
+                  <a:srgbClr val="FF0000"/>
+                </a:solidFill>
+              </a:rPr>
+              <a:t>2</a:t>
+            </a:r>
+            <a:endParaRPr lang="da-DK" dirty="0">
+              <a:solidFill>
+                <a:srgbClr val="FF0000"/>
+              </a:solidFill>
+            </a:endParaRPr>
+          </a:p>
+        </p:txBody>
+      </p:sp>
+      <p:sp>
+        <p:nvSpPr>
+          <p:cNvPr id="54" name="Rectangle 53"/>
+          <p:cNvSpPr/>
+          <p:nvPr/>
+        </p:nvSpPr>
+        <p:spPr>
+          <a:xfrm>
+            <a:off x="3001596" y="4608422"/>
+            <a:ext cx="576064" cy="396044"/>
+          </a:xfrm>
+          <a:prstGeom prst="rect">
+            <a:avLst/>
+          </a:prstGeom>
+          <a:solidFill>
+            <a:schemeClr val="tx2">
+              <a:lumMod val="50000"/>
+            </a:schemeClr>
+          </a:solidFill>
+        </p:spPr>
+        <p:style>
+          <a:lnRef idx="0">
+            <a:schemeClr val="accent3"/>
+          </a:lnRef>
+          <a:fillRef idx="3">
+            <a:schemeClr val="accent3"/>
+          </a:fillRef>
+          <a:effectRef idx="3">
+            <a:schemeClr val="accent3"/>
+          </a:effectRef>
+          <a:fontRef idx="minor">
+            <a:schemeClr val="lt1"/>
+          </a:fontRef>
+        </p:style>
+        <p:txBody>
+          <a:bodyPr rtlCol="0" anchor="ctr"/>
+          <a:lstStyle/>
+          <a:p>
+            <a:pPr algn="ctr"/>
+            <a:r>
+              <a:rPr lang="da-DK" sz="1100" dirty="0" smtClean="0">
+                <a:solidFill>
+                  <a:schemeClr val="tx1"/>
+                </a:solidFill>
+              </a:rPr>
+              <a:t>ECU</a:t>
+            </a:r>
+            <a:endParaRPr lang="da-DK" sz="1100" dirty="0">
+              <a:solidFill>
+                <a:schemeClr val="tx1"/>
+              </a:solidFill>
+            </a:endParaRPr>
+          </a:p>
+        </p:txBody>
+      </p:sp>
+      <p:sp>
+        <p:nvSpPr>
+          <p:cNvPr id="22" name="Freeform 21"/>
+          <p:cNvSpPr/>
+          <p:nvPr/>
+        </p:nvSpPr>
+        <p:spPr>
+          <a:xfrm>
+            <a:off x="3901440" y="1706880"/>
+            <a:ext cx="579120" cy="144780"/>
+          </a:xfrm>
+          <a:custGeom>
+            <a:avLst/>
+            <a:gdLst>
+              <a:gd name="connsiteX0" fmla="*/ 0 w 579120"/>
+              <a:gd name="connsiteY0" fmla="*/ 144780 h 144780"/>
+              <a:gd name="connsiteX1" fmla="*/ 198120 w 579120"/>
+              <a:gd name="connsiteY1" fmla="*/ 0 h 144780"/>
+              <a:gd name="connsiteX2" fmla="*/ 579120 w 579120"/>
+              <a:gd name="connsiteY2" fmla="*/ 144780 h 144780"/>
+            </a:gdLst>
+            <a:ahLst/>
+            <a:cxnLst>
+              <a:cxn ang="0">
+                <a:pos x="connsiteX0" y="connsiteY0"/>
+              </a:cxn>
+              <a:cxn ang="0">
+                <a:pos x="connsiteX1" y="connsiteY1"/>
+              </a:cxn>
+              <a:cxn ang="0">
+                <a:pos x="connsiteX2" y="connsiteY2"/>
+              </a:cxn>
+            </a:cxnLst>
+            <a:rect l="l" t="t" r="r" b="b"/>
+            <a:pathLst>
+              <a:path w="579120" h="144780">
+                <a:moveTo>
+                  <a:pt x="0" y="144780"/>
+                </a:moveTo>
+                <a:cubicBezTo>
+                  <a:pt x="50800" y="72390"/>
+                  <a:pt x="101600" y="0"/>
+                  <a:pt x="198120" y="0"/>
+                </a:cubicBezTo>
+                <a:cubicBezTo>
+                  <a:pt x="294640" y="0"/>
+                  <a:pt x="436880" y="72390"/>
+                  <a:pt x="579120" y="144780"/>
+                </a:cubicBezTo>
+              </a:path>
+            </a:pathLst>
+          </a:custGeom>
+          <a:ln>
+            <a:solidFill>
+              <a:srgbClr val="FF0000"/>
+            </a:solidFill>
+          </a:ln>
+        </p:spPr>
+        <p:style>
+          <a:lnRef idx="1">
+            <a:schemeClr val="accent1"/>
+          </a:lnRef>
+          <a:fillRef idx="0">
+            <a:schemeClr val="accent1"/>
+          </a:fillRef>
+          <a:effectRef idx="0">
+            <a:schemeClr val="accent1"/>
+          </a:effectRef>
+          <a:fontRef idx="minor">
+            <a:schemeClr val="tx1"/>
+          </a:fontRef>
+        </p:style>
+        <p:txBody>
+          <a:bodyPr rtlCol="0" anchor="ctr"/>
+          <a:lstStyle/>
+          <a:p>
+            <a:pPr algn="ctr"/>
+            <a:endParaRPr lang="da-DK"/>
+          </a:p>
+        </p:txBody>
+      </p:sp>
+      <p:sp>
+        <p:nvSpPr>
+          <p:cNvPr id="55" name="TextBox 54"/>
+          <p:cNvSpPr txBox="1"/>
+          <p:nvPr/>
+        </p:nvSpPr>
+        <p:spPr>
+          <a:xfrm>
+            <a:off x="3742848" y="1543436"/>
+            <a:ext cx="263214" cy="276999"/>
+          </a:xfrm>
+          <a:prstGeom prst="rect">
+            <a:avLst/>
+          </a:prstGeom>
+          <a:noFill/>
+        </p:spPr>
+        <p:txBody>
+          <a:bodyPr wrap="none" rtlCol="0">
+            <a:spAutoFit/>
+          </a:bodyPr>
+          <a:lstStyle/>
+          <a:p>
+            <a:r>
+              <a:rPr lang="da-DK" sz="1200" dirty="0" smtClean="0">
+                <a:solidFill>
+                  <a:srgbClr val="FF0000"/>
+                </a:solidFill>
+              </a:rPr>
+              <a:t>2</a:t>
+            </a:r>
+            <a:endParaRPr lang="da-DK" dirty="0">
+              <a:solidFill>
+                <a:srgbClr val="FF0000"/>
+              </a:solidFill>
+            </a:endParaRPr>
+          </a:p>
+        </p:txBody>
+      </p:sp>
+      <p:sp>
+        <p:nvSpPr>
+          <p:cNvPr id="23" name="Freeform 22"/>
+          <p:cNvSpPr/>
+          <p:nvPr/>
+        </p:nvSpPr>
+        <p:spPr>
+          <a:xfrm>
+            <a:off x="1051560" y="2406802"/>
+            <a:ext cx="731520" cy="214478"/>
+          </a:xfrm>
+          <a:custGeom>
+            <a:avLst/>
+            <a:gdLst>
+              <a:gd name="connsiteX0" fmla="*/ 0 w 731520"/>
+              <a:gd name="connsiteY0" fmla="*/ 214478 h 214478"/>
+              <a:gd name="connsiteX1" fmla="*/ 464820 w 731520"/>
+              <a:gd name="connsiteY1" fmla="*/ 1118 h 214478"/>
+              <a:gd name="connsiteX2" fmla="*/ 731520 w 731520"/>
+              <a:gd name="connsiteY2" fmla="*/ 145898 h 214478"/>
+            </a:gdLst>
+            <a:ahLst/>
+            <a:cxnLst>
+              <a:cxn ang="0">
+                <a:pos x="connsiteX0" y="connsiteY0"/>
+              </a:cxn>
+              <a:cxn ang="0">
+                <a:pos x="connsiteX1" y="connsiteY1"/>
+              </a:cxn>
+              <a:cxn ang="0">
+                <a:pos x="connsiteX2" y="connsiteY2"/>
+              </a:cxn>
+            </a:cxnLst>
+            <a:rect l="l" t="t" r="r" b="b"/>
+            <a:pathLst>
+              <a:path w="731520" h="214478">
+                <a:moveTo>
+                  <a:pt x="0" y="214478"/>
+                </a:moveTo>
+                <a:cubicBezTo>
+                  <a:pt x="171450" y="113513"/>
+                  <a:pt x="342900" y="12548"/>
+                  <a:pt x="464820" y="1118"/>
+                </a:cubicBezTo>
+                <a:cubicBezTo>
+                  <a:pt x="586740" y="-10312"/>
+                  <a:pt x="659130" y="67793"/>
+                  <a:pt x="731520" y="145898"/>
+                </a:cubicBezTo>
+              </a:path>
+            </a:pathLst>
+          </a:custGeom>
+          <a:ln>
+            <a:solidFill>
+              <a:srgbClr val="FF0000"/>
+            </a:solidFill>
+          </a:ln>
+        </p:spPr>
+        <p:style>
+          <a:lnRef idx="1">
+            <a:schemeClr val="accent1"/>
+          </a:lnRef>
+          <a:fillRef idx="0">
+            <a:schemeClr val="accent1"/>
+          </a:fillRef>
+          <a:effectRef idx="0">
+            <a:schemeClr val="accent1"/>
+          </a:effectRef>
+          <a:fontRef idx="minor">
+            <a:schemeClr val="tx1"/>
+          </a:fontRef>
+        </p:style>
+        <p:txBody>
+          <a:bodyPr rtlCol="0" anchor="ctr"/>
+          <a:lstStyle/>
+          <a:p>
+            <a:pPr algn="ctr"/>
+            <a:endParaRPr lang="da-DK"/>
+          </a:p>
+        </p:txBody>
+      </p:sp>
+      <p:sp>
+        <p:nvSpPr>
+          <p:cNvPr id="24" name="Freeform 23"/>
+          <p:cNvSpPr/>
+          <p:nvPr/>
+        </p:nvSpPr>
+        <p:spPr>
+          <a:xfrm>
+            <a:off x="3916680" y="2204864"/>
+            <a:ext cx="601980" cy="129619"/>
+          </a:xfrm>
+          <a:custGeom>
+            <a:avLst/>
+            <a:gdLst>
+              <a:gd name="connsiteX0" fmla="*/ 0 w 601980"/>
+              <a:gd name="connsiteY0" fmla="*/ 0 h 129619"/>
+              <a:gd name="connsiteX1" fmla="*/ 190500 w 601980"/>
+              <a:gd name="connsiteY1" fmla="*/ 129540 h 129619"/>
+              <a:gd name="connsiteX2" fmla="*/ 601980 w 601980"/>
+              <a:gd name="connsiteY2" fmla="*/ 15240 h 129619"/>
+            </a:gdLst>
+            <a:ahLst/>
+            <a:cxnLst>
+              <a:cxn ang="0">
+                <a:pos x="connsiteX0" y="connsiteY0"/>
+              </a:cxn>
+              <a:cxn ang="0">
+                <a:pos x="connsiteX1" y="connsiteY1"/>
+              </a:cxn>
+              <a:cxn ang="0">
+                <a:pos x="connsiteX2" y="connsiteY2"/>
+              </a:cxn>
+            </a:cxnLst>
+            <a:rect l="l" t="t" r="r" b="b"/>
+            <a:pathLst>
+              <a:path w="601980" h="129619">
+                <a:moveTo>
+                  <a:pt x="0" y="0"/>
+                </a:moveTo>
+                <a:cubicBezTo>
+                  <a:pt x="45085" y="63500"/>
+                  <a:pt x="90170" y="127000"/>
+                  <a:pt x="190500" y="129540"/>
+                </a:cubicBezTo>
+                <a:cubicBezTo>
+                  <a:pt x="290830" y="132080"/>
+                  <a:pt x="446405" y="73660"/>
+                  <a:pt x="601980" y="15240"/>
+                </a:cubicBezTo>
+              </a:path>
+            </a:pathLst>
+          </a:custGeom>
+          <a:ln>
+            <a:solidFill>
+              <a:srgbClr val="FF0000"/>
+            </a:solidFill>
+          </a:ln>
+        </p:spPr>
+        <p:style>
+          <a:lnRef idx="1">
+            <a:schemeClr val="accent1"/>
+          </a:lnRef>
+          <a:fillRef idx="0">
+            <a:schemeClr val="accent1"/>
+          </a:fillRef>
+          <a:effectRef idx="0">
+            <a:schemeClr val="accent1"/>
+          </a:effectRef>
+          <a:fontRef idx="minor">
+            <a:schemeClr val="tx1"/>
+          </a:fontRef>
+        </p:style>
+        <p:txBody>
+          <a:bodyPr rtlCol="0" anchor="ctr"/>
+          <a:lstStyle/>
+          <a:p>
+            <a:pPr algn="ctr"/>
+            <a:endParaRPr lang="da-DK"/>
+          </a:p>
+        </p:txBody>
+      </p:sp>
+      <p:sp>
+        <p:nvSpPr>
+          <p:cNvPr id="56" name="TextBox 55"/>
+          <p:cNvSpPr txBox="1"/>
+          <p:nvPr/>
+        </p:nvSpPr>
+        <p:spPr>
+          <a:xfrm>
+            <a:off x="3806383" y="2268302"/>
+            <a:ext cx="263214" cy="276999"/>
+          </a:xfrm>
+          <a:prstGeom prst="rect">
+            <a:avLst/>
+          </a:prstGeom>
+          <a:noFill/>
+        </p:spPr>
+        <p:txBody>
+          <a:bodyPr wrap="none" rtlCol="0">
+            <a:spAutoFit/>
+          </a:bodyPr>
+          <a:lstStyle/>
+          <a:p>
+            <a:r>
+              <a:rPr lang="da-DK" sz="1200" dirty="0" smtClean="0">
+                <a:solidFill>
+                  <a:srgbClr val="FF0000"/>
+                </a:solidFill>
+              </a:rPr>
+              <a:t>2</a:t>
+            </a:r>
+            <a:endParaRPr lang="da-DK" dirty="0">
+              <a:solidFill>
+                <a:srgbClr val="FF0000"/>
+              </a:solidFill>
+            </a:endParaRPr>
+          </a:p>
+        </p:txBody>
+      </p:sp>
+      <p:sp>
+        <p:nvSpPr>
+          <p:cNvPr id="46" name="TextBox 45"/>
+          <p:cNvSpPr txBox="1"/>
+          <p:nvPr/>
+        </p:nvSpPr>
+        <p:spPr>
+          <a:xfrm>
+            <a:off x="2471738" y="1858180"/>
+            <a:ext cx="1596206" cy="369332"/>
+          </a:xfrm>
+          <a:prstGeom prst="rect">
+            <a:avLst/>
+          </a:prstGeom>
+        </p:spPr>
+        <p:style>
+          <a:lnRef idx="0">
+            <a:schemeClr val="accent5"/>
+          </a:lnRef>
+          <a:fillRef idx="3">
+            <a:schemeClr val="accent5"/>
+          </a:fillRef>
+          <a:effectRef idx="3">
+            <a:schemeClr val="accent5"/>
+          </a:effectRef>
+          <a:fontRef idx="minor">
+            <a:schemeClr val="lt1"/>
+          </a:fontRef>
+        </p:style>
+        <p:txBody>
+          <a:bodyPr wrap="none" rtlCol="0">
+            <a:spAutoFit/>
+          </a:bodyPr>
+          <a:lstStyle/>
+          <a:p>
+            <a:r>
+              <a:rPr lang="da-DK" dirty="0" smtClean="0">
+                <a:solidFill>
+                  <a:schemeClr val="tx1"/>
+                </a:solidFill>
+              </a:rPr>
+              <a:t>Water-</a:t>
+            </a:r>
+            <a:r>
+              <a:rPr lang="da-DK" dirty="0" err="1" smtClean="0">
+                <a:solidFill>
+                  <a:schemeClr val="tx1"/>
+                </a:solidFill>
+              </a:rPr>
+              <a:t>temp</a:t>
+            </a:r>
+            <a:r>
+              <a:rPr lang="da-DK" dirty="0" smtClean="0">
+                <a:solidFill>
+                  <a:schemeClr val="tx1"/>
+                </a:solidFill>
+              </a:rPr>
+              <a:t> x2</a:t>
+            </a:r>
+          </a:p>
+        </p:txBody>
+      </p:sp>
+      <p:sp>
+        <p:nvSpPr>
+          <p:cNvPr id="57" name="Freeform 56"/>
+          <p:cNvSpPr/>
+          <p:nvPr/>
+        </p:nvSpPr>
+        <p:spPr>
+          <a:xfrm>
+            <a:off x="4657725" y="2204864"/>
+            <a:ext cx="323850" cy="1018396"/>
+          </a:xfrm>
+          <a:custGeom>
+            <a:avLst/>
+            <a:gdLst>
+              <a:gd name="connsiteX0" fmla="*/ 323850 w 323850"/>
+              <a:gd name="connsiteY0" fmla="*/ 885825 h 885825"/>
+              <a:gd name="connsiteX1" fmla="*/ 76200 w 323850"/>
+              <a:gd name="connsiteY1" fmla="*/ 438150 h 885825"/>
+              <a:gd name="connsiteX2" fmla="*/ 0 w 323850"/>
+              <a:gd name="connsiteY2" fmla="*/ 0 h 885825"/>
+            </a:gdLst>
+            <a:ahLst/>
+            <a:cxnLst>
+              <a:cxn ang="0">
+                <a:pos x="connsiteX0" y="connsiteY0"/>
+              </a:cxn>
+              <a:cxn ang="0">
+                <a:pos x="connsiteX1" y="connsiteY1"/>
+              </a:cxn>
+              <a:cxn ang="0">
+                <a:pos x="connsiteX2" y="connsiteY2"/>
+              </a:cxn>
+            </a:cxnLst>
+            <a:rect l="l" t="t" r="r" b="b"/>
+            <a:pathLst>
+              <a:path w="323850" h="885825">
+                <a:moveTo>
+                  <a:pt x="323850" y="885825"/>
+                </a:moveTo>
+                <a:cubicBezTo>
+                  <a:pt x="227012" y="735806"/>
+                  <a:pt x="130175" y="585787"/>
+                  <a:pt x="76200" y="438150"/>
+                </a:cubicBezTo>
+                <a:cubicBezTo>
+                  <a:pt x="22225" y="290512"/>
+                  <a:pt x="11112" y="145256"/>
+                  <a:pt x="0" y="0"/>
+                </a:cubicBezTo>
+              </a:path>
+            </a:pathLst>
+          </a:custGeom>
+          <a:ln>
+            <a:solidFill>
+              <a:srgbClr val="FF0000"/>
+            </a:solidFill>
+          </a:ln>
+        </p:spPr>
+        <p:style>
+          <a:lnRef idx="1">
+            <a:schemeClr val="accent1"/>
+          </a:lnRef>
+          <a:fillRef idx="0">
+            <a:schemeClr val="accent1"/>
+          </a:fillRef>
+          <a:effectRef idx="0">
+            <a:schemeClr val="accent1"/>
+          </a:effectRef>
+          <a:fontRef idx="minor">
+            <a:schemeClr val="tx1"/>
+          </a:fontRef>
+        </p:style>
+        <p:txBody>
+          <a:bodyPr rtlCol="0" anchor="ctr"/>
+          <a:lstStyle/>
+          <a:p>
+            <a:pPr algn="ctr"/>
+            <a:endParaRPr lang="da-DK"/>
+          </a:p>
+        </p:txBody>
+      </p:sp>
+      <p:sp>
+        <p:nvSpPr>
+          <p:cNvPr id="58" name="TextBox 57"/>
+          <p:cNvSpPr txBox="1"/>
+          <p:nvPr/>
+        </p:nvSpPr>
+        <p:spPr>
+          <a:xfrm>
+            <a:off x="4914019" y="2863969"/>
+            <a:ext cx="388248" cy="276999"/>
+          </a:xfrm>
+          <a:prstGeom prst="rect">
+            <a:avLst/>
+          </a:prstGeom>
+          <a:noFill/>
+        </p:spPr>
+        <p:txBody>
+          <a:bodyPr wrap="none" rtlCol="0">
+            <a:spAutoFit/>
+          </a:bodyPr>
+          <a:lstStyle/>
+          <a:p>
+            <a:r>
+              <a:rPr lang="da-DK" sz="1200" dirty="0" smtClean="0">
+                <a:solidFill>
+                  <a:srgbClr val="FF0000"/>
+                </a:solidFill>
+              </a:rPr>
+              <a:t>2-3</a:t>
+            </a:r>
+            <a:endParaRPr lang="da-DK" dirty="0">
+              <a:solidFill>
+                <a:srgbClr val="FF0000"/>
+              </a:solidFill>
+            </a:endParaRPr>
+          </a:p>
+        </p:txBody>
+      </p:sp>
+      <p:sp>
+        <p:nvSpPr>
+          <p:cNvPr id="59" name="Freeform 58"/>
+          <p:cNvSpPr/>
+          <p:nvPr/>
+        </p:nvSpPr>
+        <p:spPr>
+          <a:xfrm>
+            <a:off x="3799302" y="2263140"/>
+            <a:ext cx="803178" cy="822960"/>
+          </a:xfrm>
+          <a:custGeom>
+            <a:avLst/>
+            <a:gdLst>
+              <a:gd name="connsiteX0" fmla="*/ 0 w 777240"/>
+              <a:gd name="connsiteY0" fmla="*/ 822960 h 822960"/>
+              <a:gd name="connsiteX1" fmla="*/ 617220 w 777240"/>
+              <a:gd name="connsiteY1" fmla="*/ 502920 h 822960"/>
+              <a:gd name="connsiteX2" fmla="*/ 777240 w 777240"/>
+              <a:gd name="connsiteY2" fmla="*/ 0 h 822960"/>
+            </a:gdLst>
+            <a:ahLst/>
+            <a:cxnLst>
+              <a:cxn ang="0">
+                <a:pos x="connsiteX0" y="connsiteY0"/>
+              </a:cxn>
+              <a:cxn ang="0">
+                <a:pos x="connsiteX1" y="connsiteY1"/>
+              </a:cxn>
+              <a:cxn ang="0">
+                <a:pos x="connsiteX2" y="connsiteY2"/>
+              </a:cxn>
+            </a:cxnLst>
+            <a:rect l="l" t="t" r="r" b="b"/>
+            <a:pathLst>
+              <a:path w="777240" h="822960">
+                <a:moveTo>
+                  <a:pt x="0" y="822960"/>
+                </a:moveTo>
+                <a:cubicBezTo>
+                  <a:pt x="243840" y="731520"/>
+                  <a:pt x="487680" y="640080"/>
+                  <a:pt x="617220" y="502920"/>
+                </a:cubicBezTo>
+                <a:cubicBezTo>
+                  <a:pt x="746760" y="365760"/>
+                  <a:pt x="762000" y="182880"/>
+                  <a:pt x="777240" y="0"/>
+                </a:cubicBezTo>
+              </a:path>
+            </a:pathLst>
+          </a:custGeom>
+          <a:ln>
+            <a:solidFill>
+              <a:srgbClr val="FF0000"/>
+            </a:solidFill>
+          </a:ln>
+        </p:spPr>
+        <p:style>
+          <a:lnRef idx="1">
+            <a:schemeClr val="accent1"/>
+          </a:lnRef>
+          <a:fillRef idx="0">
+            <a:schemeClr val="accent1"/>
+          </a:fillRef>
+          <a:effectRef idx="0">
+            <a:schemeClr val="accent1"/>
+          </a:effectRef>
+          <a:fontRef idx="minor">
+            <a:schemeClr val="tx1"/>
+          </a:fontRef>
+        </p:style>
+        <p:txBody>
+          <a:bodyPr rtlCol="0" anchor="ctr"/>
+          <a:lstStyle/>
+          <a:p>
+            <a:pPr algn="ctr"/>
+            <a:endParaRPr lang="da-DK"/>
+          </a:p>
+        </p:txBody>
+      </p:sp>
+      <p:sp>
+        <p:nvSpPr>
+          <p:cNvPr id="60" name="Freeform 59"/>
+          <p:cNvSpPr/>
+          <p:nvPr/>
+        </p:nvSpPr>
+        <p:spPr>
+          <a:xfrm>
+            <a:off x="3799302" y="2263140"/>
+            <a:ext cx="841278" cy="934515"/>
+          </a:xfrm>
+          <a:custGeom>
+            <a:avLst/>
+            <a:gdLst>
+              <a:gd name="connsiteX0" fmla="*/ 0 w 800100"/>
+              <a:gd name="connsiteY0" fmla="*/ 960120 h 960120"/>
+              <a:gd name="connsiteX1" fmla="*/ 647700 w 800100"/>
+              <a:gd name="connsiteY1" fmla="*/ 678180 h 960120"/>
+              <a:gd name="connsiteX2" fmla="*/ 800100 w 800100"/>
+              <a:gd name="connsiteY2" fmla="*/ 0 h 960120"/>
+            </a:gdLst>
+            <a:ahLst/>
+            <a:cxnLst>
+              <a:cxn ang="0">
+                <a:pos x="connsiteX0" y="connsiteY0"/>
+              </a:cxn>
+              <a:cxn ang="0">
+                <a:pos x="connsiteX1" y="connsiteY1"/>
+              </a:cxn>
+              <a:cxn ang="0">
+                <a:pos x="connsiteX2" y="connsiteY2"/>
+              </a:cxn>
+            </a:cxnLst>
+            <a:rect l="l" t="t" r="r" b="b"/>
+            <a:pathLst>
+              <a:path w="800100" h="960120">
+                <a:moveTo>
+                  <a:pt x="0" y="960120"/>
+                </a:moveTo>
+                <a:cubicBezTo>
+                  <a:pt x="257175" y="899160"/>
+                  <a:pt x="514350" y="838200"/>
+                  <a:pt x="647700" y="678180"/>
+                </a:cubicBezTo>
+                <a:cubicBezTo>
+                  <a:pt x="781050" y="518160"/>
+                  <a:pt x="790575" y="259080"/>
+                  <a:pt x="800100" y="0"/>
+                </a:cubicBezTo>
+              </a:path>
+            </a:pathLst>
+          </a:custGeom>
+          <a:ln>
+            <a:solidFill>
+              <a:srgbClr val="FF0000"/>
+            </a:solidFill>
+          </a:ln>
+        </p:spPr>
+        <p:style>
+          <a:lnRef idx="1">
+            <a:schemeClr val="accent1"/>
+          </a:lnRef>
+          <a:fillRef idx="0">
+            <a:schemeClr val="accent1"/>
+          </a:fillRef>
+          <a:effectRef idx="0">
+            <a:schemeClr val="accent1"/>
+          </a:effectRef>
+          <a:fontRef idx="minor">
+            <a:schemeClr val="tx1"/>
+          </a:fontRef>
+        </p:style>
+        <p:txBody>
+          <a:bodyPr rtlCol="0" anchor="ctr"/>
+          <a:lstStyle/>
+          <a:p>
+            <a:pPr algn="ctr"/>
+            <a:endParaRPr lang="da-DK"/>
+          </a:p>
+        </p:txBody>
+      </p:sp>
+      <p:sp>
+        <p:nvSpPr>
+          <p:cNvPr id="61" name="TextBox 60"/>
+          <p:cNvSpPr txBox="1"/>
+          <p:nvPr/>
+        </p:nvSpPr>
+        <p:spPr>
+          <a:xfrm>
+            <a:off x="3927786" y="2697701"/>
+            <a:ext cx="263214" cy="276999"/>
+          </a:xfrm>
+          <a:prstGeom prst="rect">
+            <a:avLst/>
+          </a:prstGeom>
+          <a:noFill/>
+        </p:spPr>
+        <p:txBody>
+          <a:bodyPr wrap="none" rtlCol="0">
+            <a:spAutoFit/>
+          </a:bodyPr>
+          <a:lstStyle/>
+          <a:p>
+            <a:r>
+              <a:rPr lang="da-DK" sz="1200" dirty="0">
+                <a:solidFill>
+                  <a:srgbClr val="FF0000"/>
+                </a:solidFill>
+              </a:rPr>
+              <a:t>3</a:t>
+            </a:r>
+            <a:endParaRPr lang="da-DK" dirty="0">
+              <a:solidFill>
+                <a:srgbClr val="FF0000"/>
+              </a:solidFill>
+            </a:endParaRPr>
+          </a:p>
+        </p:txBody>
+      </p:sp>
+      <p:sp>
+        <p:nvSpPr>
+          <p:cNvPr id="62" name="TextBox 61"/>
+          <p:cNvSpPr txBox="1"/>
+          <p:nvPr/>
+        </p:nvSpPr>
+        <p:spPr>
+          <a:xfrm>
+            <a:off x="3977316" y="3152001"/>
+            <a:ext cx="263214" cy="276999"/>
+          </a:xfrm>
+          <a:prstGeom prst="rect">
+            <a:avLst/>
+          </a:prstGeom>
+          <a:noFill/>
+        </p:spPr>
+        <p:txBody>
+          <a:bodyPr wrap="none" rtlCol="0">
+            <a:spAutoFit/>
+          </a:bodyPr>
+          <a:lstStyle/>
+          <a:p>
+            <a:r>
+              <a:rPr lang="da-DK" sz="1200" dirty="0">
+                <a:solidFill>
+                  <a:srgbClr val="FF0000"/>
+                </a:solidFill>
+              </a:rPr>
+              <a:t>3</a:t>
+            </a:r>
+            <a:endParaRPr lang="da-DK" dirty="0">
+              <a:solidFill>
+                <a:srgbClr val="FF0000"/>
+              </a:solidFill>
+            </a:endParaRPr>
+          </a:p>
+        </p:txBody>
+      </p:sp>
+      <p:sp>
+        <p:nvSpPr>
+          <p:cNvPr id="44" name="TextBox 43"/>
+          <p:cNvSpPr txBox="1"/>
+          <p:nvPr/>
+        </p:nvSpPr>
+        <p:spPr>
+          <a:xfrm>
+            <a:off x="2411760" y="2871100"/>
+            <a:ext cx="1402243" cy="369332"/>
+          </a:xfrm>
+          <a:prstGeom prst="rect">
+            <a:avLst/>
+          </a:prstGeom>
+        </p:spPr>
+        <p:style>
+          <a:lnRef idx="0">
+            <a:schemeClr val="accent5"/>
+          </a:lnRef>
+          <a:fillRef idx="3">
+            <a:schemeClr val="accent5"/>
+          </a:fillRef>
+          <a:effectRef idx="3">
+            <a:schemeClr val="accent5"/>
+          </a:effectRef>
+          <a:fontRef idx="minor">
+            <a:schemeClr val="lt1"/>
+          </a:fontRef>
+        </p:style>
+        <p:txBody>
+          <a:bodyPr wrap="none" rtlCol="0">
+            <a:spAutoFit/>
+          </a:bodyPr>
+          <a:lstStyle/>
+          <a:p>
+            <a:r>
+              <a:rPr lang="da-DK" dirty="0" smtClean="0">
+                <a:solidFill>
+                  <a:schemeClr val="tx1"/>
+                </a:solidFill>
+              </a:rPr>
+              <a:t>Low-</a:t>
+            </a:r>
+            <a:r>
+              <a:rPr lang="da-DK" dirty="0" err="1" smtClean="0">
+                <a:solidFill>
+                  <a:schemeClr val="tx1"/>
+                </a:solidFill>
+              </a:rPr>
+              <a:t>press</a:t>
+            </a:r>
+            <a:r>
+              <a:rPr lang="da-DK" dirty="0" smtClean="0">
+                <a:solidFill>
+                  <a:schemeClr val="tx1"/>
+                </a:solidFill>
+              </a:rPr>
+              <a:t> x2</a:t>
+            </a:r>
+          </a:p>
+        </p:txBody>
+      </p:sp>
+      <p:sp>
+        <p:nvSpPr>
+          <p:cNvPr id="35" name="TextBox 34"/>
+          <p:cNvSpPr txBox="1"/>
+          <p:nvPr/>
+        </p:nvSpPr>
+        <p:spPr>
+          <a:xfrm>
+            <a:off x="4555460" y="3167680"/>
+            <a:ext cx="1243546" cy="369332"/>
+          </a:xfrm>
+          <a:prstGeom prst="rect">
+            <a:avLst/>
+          </a:prstGeom>
+        </p:spPr>
+        <p:style>
+          <a:lnRef idx="0">
+            <a:schemeClr val="accent5"/>
+          </a:lnRef>
+          <a:fillRef idx="3">
+            <a:schemeClr val="accent5"/>
+          </a:fillRef>
+          <a:effectRef idx="3">
+            <a:schemeClr val="accent5"/>
+          </a:effectRef>
+          <a:fontRef idx="minor">
+            <a:schemeClr val="lt1"/>
+          </a:fontRef>
+        </p:style>
+        <p:txBody>
+          <a:bodyPr wrap="none" rtlCol="0">
+            <a:spAutoFit/>
+          </a:bodyPr>
+          <a:lstStyle/>
+          <a:p>
+            <a:r>
+              <a:rPr lang="da-DK" dirty="0" smtClean="0">
+                <a:solidFill>
+                  <a:schemeClr val="tx1"/>
+                </a:solidFill>
+              </a:rPr>
+              <a:t>Yaw Sensor</a:t>
+            </a:r>
+            <a:endParaRPr lang="da-DK" dirty="0">
+              <a:solidFill>
+                <a:schemeClr val="tx1"/>
+              </a:solidFill>
+            </a:endParaRPr>
+          </a:p>
+        </p:txBody>
+      </p:sp>
+      <p:sp>
+        <p:nvSpPr>
+          <p:cNvPr id="63" name="Freeform 62"/>
+          <p:cNvSpPr/>
+          <p:nvPr/>
+        </p:nvSpPr>
+        <p:spPr>
+          <a:xfrm>
+            <a:off x="8020050" y="3533775"/>
+            <a:ext cx="640584" cy="1704975"/>
+          </a:xfrm>
+          <a:custGeom>
+            <a:avLst/>
+            <a:gdLst>
+              <a:gd name="connsiteX0" fmla="*/ 0 w 640584"/>
+              <a:gd name="connsiteY0" fmla="*/ 1704975 h 1704975"/>
+              <a:gd name="connsiteX1" fmla="*/ 571500 w 640584"/>
+              <a:gd name="connsiteY1" fmla="*/ 619125 h 1704975"/>
+              <a:gd name="connsiteX2" fmla="*/ 609600 w 640584"/>
+              <a:gd name="connsiteY2" fmla="*/ 0 h 1704975"/>
+            </a:gdLst>
+            <a:ahLst/>
+            <a:cxnLst>
+              <a:cxn ang="0">
+                <a:pos x="connsiteX0" y="connsiteY0"/>
+              </a:cxn>
+              <a:cxn ang="0">
+                <a:pos x="connsiteX1" y="connsiteY1"/>
+              </a:cxn>
+              <a:cxn ang="0">
+                <a:pos x="connsiteX2" y="connsiteY2"/>
+              </a:cxn>
+            </a:cxnLst>
+            <a:rect l="l" t="t" r="r" b="b"/>
+            <a:pathLst>
+              <a:path w="640584" h="1704975">
+                <a:moveTo>
+                  <a:pt x="0" y="1704975"/>
+                </a:moveTo>
+                <a:cubicBezTo>
+                  <a:pt x="234950" y="1304131"/>
+                  <a:pt x="469900" y="903287"/>
+                  <a:pt x="571500" y="619125"/>
+                </a:cubicBezTo>
+                <a:cubicBezTo>
+                  <a:pt x="673100" y="334963"/>
+                  <a:pt x="641350" y="167481"/>
+                  <a:pt x="609600" y="0"/>
+                </a:cubicBezTo>
+              </a:path>
+            </a:pathLst>
+          </a:custGeom>
+          <a:ln>
+            <a:solidFill>
+              <a:srgbClr val="FF0000"/>
+            </a:solidFill>
+          </a:ln>
+        </p:spPr>
+        <p:style>
+          <a:lnRef idx="1">
+            <a:schemeClr val="accent1"/>
+          </a:lnRef>
+          <a:fillRef idx="0">
+            <a:schemeClr val="accent1"/>
+          </a:fillRef>
+          <a:effectRef idx="0">
+            <a:schemeClr val="accent1"/>
+          </a:effectRef>
+          <a:fontRef idx="minor">
+            <a:schemeClr val="tx1"/>
+          </a:fontRef>
+        </p:style>
+        <p:txBody>
+          <a:bodyPr rtlCol="0" anchor="ctr"/>
+          <a:lstStyle/>
+          <a:p>
+            <a:pPr algn="ctr"/>
+            <a:endParaRPr lang="da-DK"/>
+          </a:p>
+        </p:txBody>
+      </p:sp>
+      <p:sp>
+        <p:nvSpPr>
+          <p:cNvPr id="41" name="Rectangle 40"/>
+          <p:cNvSpPr/>
+          <p:nvPr/>
+        </p:nvSpPr>
+        <p:spPr>
+          <a:xfrm>
+            <a:off x="8263798" y="3140968"/>
+            <a:ext cx="576064" cy="396044"/>
+          </a:xfrm>
+          <a:prstGeom prst="rect">
+            <a:avLst/>
+          </a:prstGeom>
+          <a:solidFill>
+            <a:srgbClr val="008000"/>
+          </a:solidFill>
+        </p:spPr>
+        <p:style>
+          <a:lnRef idx="0">
+            <a:schemeClr val="accent3"/>
+          </a:lnRef>
+          <a:fillRef idx="3">
+            <a:schemeClr val="accent3"/>
+          </a:fillRef>
+          <a:effectRef idx="3">
+            <a:schemeClr val="accent3"/>
+          </a:effectRef>
+          <a:fontRef idx="minor">
+            <a:schemeClr val="lt1"/>
+          </a:fontRef>
+        </p:style>
+        <p:txBody>
+          <a:bodyPr rtlCol="0" anchor="ctr"/>
+          <a:lstStyle/>
+          <a:p>
+            <a:pPr algn="ctr"/>
+            <a:r>
+              <a:rPr lang="da-DK" sz="1100" dirty="0" smtClean="0">
+                <a:solidFill>
+                  <a:schemeClr val="tx1"/>
+                </a:solidFill>
+              </a:rPr>
+              <a:t>Node4</a:t>
+            </a:r>
+            <a:endParaRPr lang="da-DK" sz="1100" dirty="0">
+              <a:solidFill>
+                <a:schemeClr val="tx1"/>
+              </a:solidFill>
+            </a:endParaRPr>
+          </a:p>
+        </p:txBody>
+      </p:sp>
+      <p:sp>
+        <p:nvSpPr>
+          <p:cNvPr id="32" name="TextBox 31"/>
+          <p:cNvSpPr txBox="1"/>
+          <p:nvPr/>
+        </p:nvSpPr>
+        <p:spPr>
+          <a:xfrm>
+            <a:off x="7333476" y="5242556"/>
+            <a:ext cx="1428596" cy="369332"/>
+          </a:xfrm>
+          <a:prstGeom prst="rect">
+            <a:avLst/>
+          </a:prstGeom>
+        </p:spPr>
+        <p:style>
+          <a:lnRef idx="0">
+            <a:schemeClr val="accent5"/>
+          </a:lnRef>
+          <a:fillRef idx="3">
+            <a:schemeClr val="accent5"/>
+          </a:fillRef>
+          <a:effectRef idx="3">
+            <a:schemeClr val="accent5"/>
+          </a:effectRef>
+          <a:fontRef idx="minor">
+            <a:schemeClr val="lt1"/>
+          </a:fontRef>
+        </p:style>
+        <p:txBody>
+          <a:bodyPr wrap="none" rtlCol="0">
+            <a:spAutoFit/>
+          </a:bodyPr>
+          <a:lstStyle/>
+          <a:p>
+            <a:r>
+              <a:rPr lang="da-DK" dirty="0" smtClean="0">
+                <a:solidFill>
+                  <a:schemeClr val="tx1"/>
+                </a:solidFill>
+              </a:rPr>
+              <a:t>Wheel Speed</a:t>
+            </a:r>
+            <a:endParaRPr lang="da-DK" dirty="0">
+              <a:solidFill>
+                <a:schemeClr val="tx1"/>
+              </a:solidFill>
+            </a:endParaRPr>
+          </a:p>
+        </p:txBody>
+      </p:sp>
+      <p:sp>
+        <p:nvSpPr>
+          <p:cNvPr id="64" name="TextBox 63"/>
+          <p:cNvSpPr txBox="1"/>
+          <p:nvPr/>
+        </p:nvSpPr>
+        <p:spPr>
+          <a:xfrm>
+            <a:off x="8317191" y="4578149"/>
+            <a:ext cx="263214" cy="276999"/>
+          </a:xfrm>
+          <a:prstGeom prst="rect">
+            <a:avLst/>
+          </a:prstGeom>
+          <a:noFill/>
+        </p:spPr>
+        <p:txBody>
+          <a:bodyPr wrap="none" rtlCol="0">
+            <a:spAutoFit/>
+          </a:bodyPr>
+          <a:lstStyle/>
+          <a:p>
+            <a:r>
+              <a:rPr lang="da-DK" sz="1200" dirty="0" smtClean="0">
+                <a:solidFill>
+                  <a:srgbClr val="FF0000"/>
+                </a:solidFill>
+              </a:rPr>
+              <a:t>2</a:t>
+            </a:r>
+            <a:endParaRPr lang="da-DK" dirty="0">
+              <a:solidFill>
+                <a:srgbClr val="FF0000"/>
+              </a:solidFill>
+            </a:endParaRPr>
+          </a:p>
+        </p:txBody>
+      </p:sp>
+      <p:sp>
+        <p:nvSpPr>
+          <p:cNvPr id="65" name="Freeform 64"/>
+          <p:cNvSpPr/>
+          <p:nvPr/>
+        </p:nvSpPr>
+        <p:spPr>
+          <a:xfrm>
+            <a:off x="8086725" y="1538288"/>
+            <a:ext cx="917112" cy="1695450"/>
+          </a:xfrm>
+          <a:custGeom>
+            <a:avLst/>
+            <a:gdLst>
+              <a:gd name="connsiteX0" fmla="*/ 0 w 917112"/>
+              <a:gd name="connsiteY0" fmla="*/ 0 h 1695450"/>
+              <a:gd name="connsiteX1" fmla="*/ 547688 w 917112"/>
+              <a:gd name="connsiteY1" fmla="*/ 695325 h 1695450"/>
+              <a:gd name="connsiteX2" fmla="*/ 909638 w 917112"/>
+              <a:gd name="connsiteY2" fmla="*/ 1057275 h 1695450"/>
+              <a:gd name="connsiteX3" fmla="*/ 757238 w 917112"/>
+              <a:gd name="connsiteY3" fmla="*/ 1695450 h 1695450"/>
+            </a:gdLst>
+            <a:ahLst/>
+            <a:cxnLst>
+              <a:cxn ang="0">
+                <a:pos x="connsiteX0" y="connsiteY0"/>
+              </a:cxn>
+              <a:cxn ang="0">
+                <a:pos x="connsiteX1" y="connsiteY1"/>
+              </a:cxn>
+              <a:cxn ang="0">
+                <a:pos x="connsiteX2" y="connsiteY2"/>
+              </a:cxn>
+              <a:cxn ang="0">
+                <a:pos x="connsiteX3" y="connsiteY3"/>
+              </a:cxn>
+            </a:cxnLst>
+            <a:rect l="l" t="t" r="r" b="b"/>
+            <a:pathLst>
+              <a:path w="917112" h="1695450">
+                <a:moveTo>
+                  <a:pt x="0" y="0"/>
+                </a:moveTo>
+                <a:cubicBezTo>
+                  <a:pt x="198041" y="259556"/>
+                  <a:pt x="396082" y="519112"/>
+                  <a:pt x="547688" y="695325"/>
+                </a:cubicBezTo>
+                <a:cubicBezTo>
+                  <a:pt x="699294" y="871538"/>
+                  <a:pt x="874713" y="890588"/>
+                  <a:pt x="909638" y="1057275"/>
+                </a:cubicBezTo>
+                <a:cubicBezTo>
+                  <a:pt x="944563" y="1223962"/>
+                  <a:pt x="850900" y="1459706"/>
+                  <a:pt x="757238" y="1695450"/>
+                </a:cubicBezTo>
+              </a:path>
+            </a:pathLst>
+          </a:custGeom>
+          <a:ln>
+            <a:solidFill>
+              <a:srgbClr val="FF0000"/>
+            </a:solidFill>
+          </a:ln>
+        </p:spPr>
+        <p:style>
+          <a:lnRef idx="1">
+            <a:schemeClr val="accent1"/>
+          </a:lnRef>
+          <a:fillRef idx="0">
+            <a:schemeClr val="accent1"/>
+          </a:fillRef>
+          <a:effectRef idx="0">
+            <a:schemeClr val="accent1"/>
+          </a:effectRef>
+          <a:fontRef idx="minor">
+            <a:schemeClr val="tx1"/>
+          </a:fontRef>
+        </p:style>
+        <p:txBody>
+          <a:bodyPr rtlCol="0" anchor="ctr"/>
+          <a:lstStyle/>
+          <a:p>
+            <a:pPr algn="ctr"/>
+            <a:endParaRPr lang="da-DK"/>
+          </a:p>
+        </p:txBody>
+      </p:sp>
+      <p:sp>
+        <p:nvSpPr>
+          <p:cNvPr id="29" name="TextBox 28"/>
+          <p:cNvSpPr txBox="1"/>
+          <p:nvPr/>
+        </p:nvSpPr>
+        <p:spPr>
+          <a:xfrm>
+            <a:off x="7333476" y="1174104"/>
+            <a:ext cx="1428596" cy="369332"/>
+          </a:xfrm>
+          <a:prstGeom prst="rect">
+            <a:avLst/>
+          </a:prstGeom>
+        </p:spPr>
+        <p:style>
+          <a:lnRef idx="0">
+            <a:schemeClr val="accent5"/>
+          </a:lnRef>
+          <a:fillRef idx="3">
+            <a:schemeClr val="accent5"/>
+          </a:fillRef>
+          <a:effectRef idx="3">
+            <a:schemeClr val="accent5"/>
+          </a:effectRef>
+          <a:fontRef idx="minor">
+            <a:schemeClr val="lt1"/>
+          </a:fontRef>
+        </p:style>
+        <p:txBody>
+          <a:bodyPr wrap="none" rtlCol="0">
+            <a:spAutoFit/>
+          </a:bodyPr>
+          <a:lstStyle/>
+          <a:p>
+            <a:r>
+              <a:rPr lang="da-DK" dirty="0" smtClean="0">
+                <a:solidFill>
+                  <a:schemeClr val="tx1"/>
+                </a:solidFill>
+              </a:rPr>
+              <a:t>Wheel Speed</a:t>
+            </a:r>
+            <a:endParaRPr lang="da-DK" dirty="0">
+              <a:solidFill>
+                <a:schemeClr val="tx1"/>
+              </a:solidFill>
+            </a:endParaRPr>
+          </a:p>
+        </p:txBody>
+      </p:sp>
+      <p:sp>
+        <p:nvSpPr>
+          <p:cNvPr id="66" name="TextBox 65"/>
+          <p:cNvSpPr txBox="1"/>
+          <p:nvPr/>
+        </p:nvSpPr>
+        <p:spPr>
+          <a:xfrm>
+            <a:off x="8443818" y="1893623"/>
+            <a:ext cx="263214" cy="276999"/>
+          </a:xfrm>
+          <a:prstGeom prst="rect">
+            <a:avLst/>
+          </a:prstGeom>
+          <a:noFill/>
+        </p:spPr>
+        <p:txBody>
+          <a:bodyPr wrap="none" rtlCol="0">
+            <a:spAutoFit/>
+          </a:bodyPr>
+          <a:lstStyle/>
+          <a:p>
+            <a:r>
+              <a:rPr lang="da-DK" sz="1200" dirty="0" smtClean="0">
+                <a:solidFill>
+                  <a:srgbClr val="FF0000"/>
+                </a:solidFill>
+              </a:rPr>
+              <a:t>2</a:t>
+            </a:r>
+            <a:endParaRPr lang="da-DK" dirty="0">
+              <a:solidFill>
+                <a:srgbClr val="FF0000"/>
+              </a:solidFill>
+            </a:endParaRPr>
+          </a:p>
+        </p:txBody>
+      </p:sp>
+      <p:sp>
+        <p:nvSpPr>
+          <p:cNvPr id="67" name="Freeform 66"/>
+          <p:cNvSpPr/>
+          <p:nvPr/>
+        </p:nvSpPr>
+        <p:spPr>
+          <a:xfrm>
+            <a:off x="8001000" y="2933798"/>
+            <a:ext cx="261938" cy="423765"/>
+          </a:xfrm>
+          <a:custGeom>
+            <a:avLst/>
+            <a:gdLst>
+              <a:gd name="connsiteX0" fmla="*/ 0 w 261938"/>
+              <a:gd name="connsiteY0" fmla="*/ 0 h 414338"/>
+              <a:gd name="connsiteX1" fmla="*/ 47625 w 261938"/>
+              <a:gd name="connsiteY1" fmla="*/ 285750 h 414338"/>
+              <a:gd name="connsiteX2" fmla="*/ 261938 w 261938"/>
+              <a:gd name="connsiteY2" fmla="*/ 414338 h 414338"/>
+            </a:gdLst>
+            <a:ahLst/>
+            <a:cxnLst>
+              <a:cxn ang="0">
+                <a:pos x="connsiteX0" y="connsiteY0"/>
+              </a:cxn>
+              <a:cxn ang="0">
+                <a:pos x="connsiteX1" y="connsiteY1"/>
+              </a:cxn>
+              <a:cxn ang="0">
+                <a:pos x="connsiteX2" y="connsiteY2"/>
+              </a:cxn>
+            </a:cxnLst>
+            <a:rect l="l" t="t" r="r" b="b"/>
+            <a:pathLst>
+              <a:path w="261938" h="414338">
+                <a:moveTo>
+                  <a:pt x="0" y="0"/>
+                </a:moveTo>
+                <a:cubicBezTo>
+                  <a:pt x="1984" y="108347"/>
+                  <a:pt x="3969" y="216694"/>
+                  <a:pt x="47625" y="285750"/>
+                </a:cubicBezTo>
+                <a:cubicBezTo>
+                  <a:pt x="91281" y="354806"/>
+                  <a:pt x="176609" y="384572"/>
+                  <a:pt x="261938" y="414338"/>
+                </a:cubicBezTo>
+              </a:path>
+            </a:pathLst>
+          </a:custGeom>
+          <a:ln>
+            <a:solidFill>
+              <a:srgbClr val="FF0000"/>
+            </a:solidFill>
+          </a:ln>
+        </p:spPr>
+        <p:style>
+          <a:lnRef idx="1">
+            <a:schemeClr val="accent1"/>
+          </a:lnRef>
+          <a:fillRef idx="0">
+            <a:schemeClr val="accent1"/>
+          </a:fillRef>
+          <a:effectRef idx="0">
+            <a:schemeClr val="accent1"/>
+          </a:effectRef>
+          <a:fontRef idx="minor">
+            <a:schemeClr val="tx1"/>
+          </a:fontRef>
+        </p:style>
+        <p:txBody>
+          <a:bodyPr rtlCol="0" anchor="ctr"/>
+          <a:lstStyle/>
+          <a:p>
+            <a:pPr algn="ctr"/>
+            <a:endParaRPr lang="da-DK"/>
+          </a:p>
+        </p:txBody>
+      </p:sp>
+      <p:sp>
+        <p:nvSpPr>
+          <p:cNvPr id="68" name="Freeform 67"/>
+          <p:cNvSpPr/>
+          <p:nvPr/>
+        </p:nvSpPr>
+        <p:spPr>
+          <a:xfrm>
+            <a:off x="7826694" y="2933798"/>
+            <a:ext cx="430581" cy="495201"/>
+          </a:xfrm>
+          <a:custGeom>
+            <a:avLst/>
+            <a:gdLst>
+              <a:gd name="connsiteX0" fmla="*/ 0 w 261938"/>
+              <a:gd name="connsiteY0" fmla="*/ 0 h 414338"/>
+              <a:gd name="connsiteX1" fmla="*/ 47625 w 261938"/>
+              <a:gd name="connsiteY1" fmla="*/ 285750 h 414338"/>
+              <a:gd name="connsiteX2" fmla="*/ 261938 w 261938"/>
+              <a:gd name="connsiteY2" fmla="*/ 414338 h 414338"/>
+            </a:gdLst>
+            <a:ahLst/>
+            <a:cxnLst>
+              <a:cxn ang="0">
+                <a:pos x="connsiteX0" y="connsiteY0"/>
+              </a:cxn>
+              <a:cxn ang="0">
+                <a:pos x="connsiteX1" y="connsiteY1"/>
+              </a:cxn>
+              <a:cxn ang="0">
+                <a:pos x="connsiteX2" y="connsiteY2"/>
+              </a:cxn>
+            </a:cxnLst>
+            <a:rect l="l" t="t" r="r" b="b"/>
+            <a:pathLst>
+              <a:path w="261938" h="414338">
+                <a:moveTo>
+                  <a:pt x="0" y="0"/>
+                </a:moveTo>
+                <a:cubicBezTo>
+                  <a:pt x="1984" y="108347"/>
+                  <a:pt x="3969" y="216694"/>
+                  <a:pt x="47625" y="285750"/>
+                </a:cubicBezTo>
+                <a:cubicBezTo>
+                  <a:pt x="91281" y="354806"/>
+                  <a:pt x="176609" y="384572"/>
+                  <a:pt x="261938" y="414338"/>
+                </a:cubicBezTo>
+              </a:path>
+            </a:pathLst>
+          </a:custGeom>
+          <a:ln>
+            <a:solidFill>
+              <a:srgbClr val="FF0000"/>
+            </a:solidFill>
+          </a:ln>
+        </p:spPr>
+        <p:style>
+          <a:lnRef idx="1">
+            <a:schemeClr val="accent1"/>
+          </a:lnRef>
+          <a:fillRef idx="0">
+            <a:schemeClr val="accent1"/>
+          </a:fillRef>
+          <a:effectRef idx="0">
+            <a:schemeClr val="accent1"/>
+          </a:effectRef>
+          <a:fontRef idx="minor">
+            <a:schemeClr val="tx1"/>
+          </a:fontRef>
+        </p:style>
+        <p:txBody>
+          <a:bodyPr rtlCol="0" anchor="ctr"/>
+          <a:lstStyle/>
+          <a:p>
+            <a:pPr algn="ctr"/>
+            <a:endParaRPr lang="da-DK"/>
+          </a:p>
+        </p:txBody>
+      </p:sp>
+      <p:sp>
+        <p:nvSpPr>
+          <p:cNvPr id="69" name="Freeform 68"/>
+          <p:cNvSpPr/>
+          <p:nvPr/>
+        </p:nvSpPr>
+        <p:spPr>
+          <a:xfrm>
+            <a:off x="7659028" y="2933798"/>
+            <a:ext cx="604770" cy="552352"/>
+          </a:xfrm>
+          <a:custGeom>
+            <a:avLst/>
+            <a:gdLst>
+              <a:gd name="connsiteX0" fmla="*/ 0 w 261938"/>
+              <a:gd name="connsiteY0" fmla="*/ 0 h 414338"/>
+              <a:gd name="connsiteX1" fmla="*/ 47625 w 261938"/>
+              <a:gd name="connsiteY1" fmla="*/ 285750 h 414338"/>
+              <a:gd name="connsiteX2" fmla="*/ 261938 w 261938"/>
+              <a:gd name="connsiteY2" fmla="*/ 414338 h 414338"/>
+            </a:gdLst>
+            <a:ahLst/>
+            <a:cxnLst>
+              <a:cxn ang="0">
+                <a:pos x="connsiteX0" y="connsiteY0"/>
+              </a:cxn>
+              <a:cxn ang="0">
+                <a:pos x="connsiteX1" y="connsiteY1"/>
+              </a:cxn>
+              <a:cxn ang="0">
+                <a:pos x="connsiteX2" y="connsiteY2"/>
+              </a:cxn>
+            </a:cxnLst>
+            <a:rect l="l" t="t" r="r" b="b"/>
+            <a:pathLst>
+              <a:path w="261938" h="414338">
+                <a:moveTo>
+                  <a:pt x="0" y="0"/>
+                </a:moveTo>
+                <a:cubicBezTo>
+                  <a:pt x="1984" y="108347"/>
+                  <a:pt x="3969" y="216694"/>
+                  <a:pt x="47625" y="285750"/>
+                </a:cubicBezTo>
+                <a:cubicBezTo>
+                  <a:pt x="91281" y="354806"/>
+                  <a:pt x="176609" y="384572"/>
+                  <a:pt x="261938" y="414338"/>
+                </a:cubicBezTo>
+              </a:path>
+            </a:pathLst>
+          </a:custGeom>
+          <a:ln>
+            <a:solidFill>
+              <a:srgbClr val="FF0000"/>
+            </a:solidFill>
+          </a:ln>
+        </p:spPr>
+        <p:style>
+          <a:lnRef idx="1">
+            <a:schemeClr val="accent1"/>
+          </a:lnRef>
+          <a:fillRef idx="0">
+            <a:schemeClr val="accent1"/>
+          </a:fillRef>
+          <a:effectRef idx="0">
+            <a:schemeClr val="accent1"/>
+          </a:effectRef>
+          <a:fontRef idx="minor">
+            <a:schemeClr val="tx1"/>
+          </a:fontRef>
+        </p:style>
+        <p:txBody>
+          <a:bodyPr rtlCol="0" anchor="ctr"/>
+          <a:lstStyle/>
+          <a:p>
+            <a:pPr algn="ctr"/>
+            <a:endParaRPr lang="da-DK"/>
+          </a:p>
+        </p:txBody>
+      </p:sp>
+      <p:sp>
+        <p:nvSpPr>
+          <p:cNvPr id="70" name="TextBox 69"/>
+          <p:cNvSpPr txBox="1"/>
+          <p:nvPr/>
+        </p:nvSpPr>
+        <p:spPr>
+          <a:xfrm>
+            <a:off x="7937830" y="2920656"/>
+            <a:ext cx="409086" cy="276999"/>
+          </a:xfrm>
+          <a:prstGeom prst="rect">
+            <a:avLst/>
+          </a:prstGeom>
+          <a:noFill/>
+        </p:spPr>
+        <p:txBody>
+          <a:bodyPr wrap="none" rtlCol="0">
+            <a:spAutoFit/>
+          </a:bodyPr>
+          <a:lstStyle/>
+          <a:p>
+            <a:r>
+              <a:rPr lang="da-DK" sz="1200" dirty="0" smtClean="0">
+                <a:solidFill>
+                  <a:srgbClr val="FF0000"/>
+                </a:solidFill>
+              </a:rPr>
+              <a:t>3x3</a:t>
+            </a:r>
+            <a:endParaRPr lang="da-DK" dirty="0">
+              <a:solidFill>
+                <a:srgbClr val="FF0000"/>
+              </a:solidFill>
+            </a:endParaRPr>
+          </a:p>
+        </p:txBody>
+      </p:sp>
+      <p:sp>
+        <p:nvSpPr>
+          <p:cNvPr id="71" name="Freeform 70"/>
+          <p:cNvSpPr/>
+          <p:nvPr/>
+        </p:nvSpPr>
+        <p:spPr>
+          <a:xfrm>
+            <a:off x="4501628" y="3573016"/>
+            <a:ext cx="2258070" cy="1282132"/>
+          </a:xfrm>
+          <a:custGeom>
+            <a:avLst/>
+            <a:gdLst>
+              <a:gd name="connsiteX0" fmla="*/ 0 w 2241037"/>
+              <a:gd name="connsiteY0" fmla="*/ 1257300 h 1257300"/>
+              <a:gd name="connsiteX1" fmla="*/ 922020 w 2241037"/>
+              <a:gd name="connsiteY1" fmla="*/ 1005840 h 1257300"/>
+              <a:gd name="connsiteX2" fmla="*/ 2026920 w 2241037"/>
+              <a:gd name="connsiteY2" fmla="*/ 441960 h 1257300"/>
+              <a:gd name="connsiteX3" fmla="*/ 2240280 w 2241037"/>
+              <a:gd name="connsiteY3" fmla="*/ 0 h 1257300"/>
+            </a:gdLst>
+            <a:ahLst/>
+            <a:cxnLst>
+              <a:cxn ang="0">
+                <a:pos x="connsiteX0" y="connsiteY0"/>
+              </a:cxn>
+              <a:cxn ang="0">
+                <a:pos x="connsiteX1" y="connsiteY1"/>
+              </a:cxn>
+              <a:cxn ang="0">
+                <a:pos x="connsiteX2" y="connsiteY2"/>
+              </a:cxn>
+              <a:cxn ang="0">
+                <a:pos x="connsiteX3" y="connsiteY3"/>
+              </a:cxn>
+            </a:cxnLst>
+            <a:rect l="l" t="t" r="r" b="b"/>
+            <a:pathLst>
+              <a:path w="2241037" h="1257300">
+                <a:moveTo>
+                  <a:pt x="0" y="1257300"/>
+                </a:moveTo>
+                <a:cubicBezTo>
+                  <a:pt x="292100" y="1199515"/>
+                  <a:pt x="584200" y="1141730"/>
+                  <a:pt x="922020" y="1005840"/>
+                </a:cubicBezTo>
+                <a:cubicBezTo>
+                  <a:pt x="1259840" y="869950"/>
+                  <a:pt x="1807210" y="609600"/>
+                  <a:pt x="2026920" y="441960"/>
+                </a:cubicBezTo>
+                <a:cubicBezTo>
+                  <a:pt x="2246630" y="274320"/>
+                  <a:pt x="2243455" y="137160"/>
+                  <a:pt x="2240280" y="0"/>
+                </a:cubicBezTo>
+              </a:path>
+            </a:pathLst>
+          </a:custGeom>
+          <a:ln w="28575">
+            <a:solidFill>
+              <a:schemeClr val="accent6">
+                <a:lumMod val="75000"/>
+              </a:schemeClr>
+            </a:solidFill>
+          </a:ln>
+        </p:spPr>
+        <p:style>
+          <a:lnRef idx="1">
+            <a:schemeClr val="accent1"/>
+          </a:lnRef>
+          <a:fillRef idx="0">
+            <a:schemeClr val="accent1"/>
+          </a:fillRef>
+          <a:effectRef idx="0">
+            <a:schemeClr val="accent1"/>
+          </a:effectRef>
+          <a:fontRef idx="minor">
+            <a:schemeClr val="tx1"/>
+          </a:fontRef>
+        </p:style>
+        <p:txBody>
+          <a:bodyPr rtlCol="0" anchor="ctr"/>
+          <a:lstStyle/>
+          <a:p>
+            <a:pPr algn="ctr"/>
+            <a:endParaRPr lang="da-DK"/>
+          </a:p>
+        </p:txBody>
+      </p:sp>
+      <p:sp>
+        <p:nvSpPr>
+          <p:cNvPr id="42" name="Rectangle 41"/>
+          <p:cNvSpPr/>
+          <p:nvPr/>
+        </p:nvSpPr>
+        <p:spPr>
+          <a:xfrm>
+            <a:off x="6463598" y="3176972"/>
+            <a:ext cx="576064" cy="396044"/>
+          </a:xfrm>
+          <a:prstGeom prst="rect">
+            <a:avLst/>
+          </a:prstGeom>
+          <a:solidFill>
+            <a:srgbClr val="008000"/>
+          </a:solidFill>
+        </p:spPr>
+        <p:style>
+          <a:lnRef idx="0">
+            <a:schemeClr val="accent3"/>
+          </a:lnRef>
+          <a:fillRef idx="3">
+            <a:schemeClr val="accent3"/>
+          </a:fillRef>
+          <a:effectRef idx="3">
+            <a:schemeClr val="accent3"/>
+          </a:effectRef>
+          <a:fontRef idx="minor">
+            <a:schemeClr val="lt1"/>
+          </a:fontRef>
+        </p:style>
+        <p:txBody>
+          <a:bodyPr rtlCol="0" anchor="ctr"/>
+          <a:lstStyle/>
+          <a:p>
+            <a:pPr algn="ctr"/>
+            <a:r>
+              <a:rPr lang="da-DK" sz="1100" dirty="0" smtClean="0">
+                <a:solidFill>
+                  <a:schemeClr val="tx1"/>
+                </a:solidFill>
+              </a:rPr>
+              <a:t>Node3</a:t>
+            </a:r>
+            <a:endParaRPr lang="da-DK" sz="1100" dirty="0">
+              <a:solidFill>
+                <a:schemeClr val="tx1"/>
+              </a:solidFill>
+            </a:endParaRPr>
+          </a:p>
+        </p:txBody>
+      </p:sp>
+      <p:sp>
+        <p:nvSpPr>
+          <p:cNvPr id="72" name="Freeform 71"/>
+          <p:cNvSpPr/>
+          <p:nvPr/>
+        </p:nvSpPr>
+        <p:spPr>
+          <a:xfrm>
+            <a:off x="6600824" y="3543300"/>
+            <a:ext cx="1750695" cy="428625"/>
+          </a:xfrm>
+          <a:custGeom>
+            <a:avLst/>
+            <a:gdLst>
+              <a:gd name="connsiteX0" fmla="*/ 1752600 w 1752600"/>
+              <a:gd name="connsiteY0" fmla="*/ 0 h 426720"/>
+              <a:gd name="connsiteX1" fmla="*/ 1592580 w 1752600"/>
+              <a:gd name="connsiteY1" fmla="*/ 114300 h 426720"/>
+              <a:gd name="connsiteX2" fmla="*/ 868680 w 1752600"/>
+              <a:gd name="connsiteY2" fmla="*/ 137160 h 426720"/>
+              <a:gd name="connsiteX3" fmla="*/ 350520 w 1752600"/>
+              <a:gd name="connsiteY3" fmla="*/ 160020 h 426720"/>
+              <a:gd name="connsiteX4" fmla="*/ 0 w 1752600"/>
+              <a:gd name="connsiteY4" fmla="*/ 426720 h 426720"/>
+            </a:gdLst>
+            <a:ahLst/>
+            <a:cxnLst>
+              <a:cxn ang="0">
+                <a:pos x="connsiteX0" y="connsiteY0"/>
+              </a:cxn>
+              <a:cxn ang="0">
+                <a:pos x="connsiteX1" y="connsiteY1"/>
+              </a:cxn>
+              <a:cxn ang="0">
+                <a:pos x="connsiteX2" y="connsiteY2"/>
+              </a:cxn>
+              <a:cxn ang="0">
+                <a:pos x="connsiteX3" y="connsiteY3"/>
+              </a:cxn>
+              <a:cxn ang="0">
+                <a:pos x="connsiteX4" y="connsiteY4"/>
+              </a:cxn>
+            </a:cxnLst>
+            <a:rect l="l" t="t" r="r" b="b"/>
+            <a:pathLst>
+              <a:path w="1752600" h="426720">
+                <a:moveTo>
+                  <a:pt x="1752600" y="0"/>
+                </a:moveTo>
+                <a:cubicBezTo>
+                  <a:pt x="1746250" y="45720"/>
+                  <a:pt x="1739900" y="91440"/>
+                  <a:pt x="1592580" y="114300"/>
+                </a:cubicBezTo>
+                <a:cubicBezTo>
+                  <a:pt x="1445260" y="137160"/>
+                  <a:pt x="868680" y="137160"/>
+                  <a:pt x="868680" y="137160"/>
+                </a:cubicBezTo>
+                <a:cubicBezTo>
+                  <a:pt x="661670" y="144780"/>
+                  <a:pt x="495300" y="111760"/>
+                  <a:pt x="350520" y="160020"/>
+                </a:cubicBezTo>
+                <a:cubicBezTo>
+                  <a:pt x="205740" y="208280"/>
+                  <a:pt x="102870" y="317500"/>
+                  <a:pt x="0" y="426720"/>
+                </a:cubicBezTo>
+              </a:path>
+            </a:pathLst>
+          </a:custGeom>
+          <a:ln w="28575">
+            <a:solidFill>
+              <a:schemeClr val="accent6">
+                <a:lumMod val="75000"/>
+              </a:schemeClr>
+            </a:solidFill>
+          </a:ln>
+        </p:spPr>
+        <p:style>
+          <a:lnRef idx="1">
+            <a:schemeClr val="accent1"/>
+          </a:lnRef>
+          <a:fillRef idx="0">
+            <a:schemeClr val="accent1"/>
+          </a:fillRef>
+          <a:effectRef idx="0">
+            <a:schemeClr val="accent1"/>
+          </a:effectRef>
+          <a:fontRef idx="minor">
+            <a:schemeClr val="tx1"/>
+          </a:fontRef>
+        </p:style>
+        <p:txBody>
+          <a:bodyPr rtlCol="0" anchor="ctr"/>
+          <a:lstStyle/>
+          <a:p>
+            <a:pPr algn="ctr"/>
+            <a:endParaRPr lang="da-DK"/>
+          </a:p>
+        </p:txBody>
+      </p:sp>
+      <p:sp>
+        <p:nvSpPr>
+          <p:cNvPr id="73" name="TextBox 72"/>
+          <p:cNvSpPr txBox="1"/>
+          <p:nvPr/>
+        </p:nvSpPr>
+        <p:spPr>
+          <a:xfrm rot="20238315">
+            <a:off x="4922748" y="4230368"/>
+            <a:ext cx="1058303" cy="369332"/>
+          </a:xfrm>
+          <a:prstGeom prst="rect">
+            <a:avLst/>
+          </a:prstGeom>
+          <a:noFill/>
+          <a:ln>
+            <a:noFill/>
+          </a:ln>
+        </p:spPr>
+        <p:txBody>
+          <a:bodyPr wrap="none" rtlCol="0">
+            <a:spAutoFit/>
+          </a:bodyPr>
+          <a:lstStyle/>
+          <a:p>
+            <a:r>
+              <a:rPr lang="da-DK" b="1" dirty="0" smtClean="0">
+                <a:solidFill>
+                  <a:schemeClr val="accent6">
+                    <a:lumMod val="75000"/>
+                  </a:schemeClr>
+                </a:solidFill>
+              </a:rPr>
+              <a:t>CAN-BUS</a:t>
+            </a:r>
+            <a:endParaRPr lang="da-DK" b="1" dirty="0">
+              <a:solidFill>
+                <a:schemeClr val="accent6">
+                  <a:lumMod val="75000"/>
+                </a:schemeClr>
+              </a:solidFill>
+            </a:endParaRPr>
+          </a:p>
+        </p:txBody>
+      </p:sp>
+      <p:sp>
+        <p:nvSpPr>
+          <p:cNvPr id="74" name="Freeform 73"/>
+          <p:cNvSpPr/>
+          <p:nvPr/>
+        </p:nvSpPr>
+        <p:spPr>
+          <a:xfrm>
+            <a:off x="4867275" y="2063489"/>
+            <a:ext cx="2333625" cy="1784611"/>
+          </a:xfrm>
+          <a:custGeom>
+            <a:avLst/>
+            <a:gdLst>
+              <a:gd name="connsiteX0" fmla="*/ 1857375 w 2343736"/>
+              <a:gd name="connsiteY0" fmla="*/ 1775086 h 1775086"/>
+              <a:gd name="connsiteX1" fmla="*/ 2276475 w 2343736"/>
+              <a:gd name="connsiteY1" fmla="*/ 1508386 h 1775086"/>
+              <a:gd name="connsiteX2" fmla="*/ 2266950 w 2343736"/>
+              <a:gd name="connsiteY2" fmla="*/ 1003561 h 1775086"/>
+              <a:gd name="connsiteX3" fmla="*/ 1543050 w 2343736"/>
+              <a:gd name="connsiteY3" fmla="*/ 489211 h 1775086"/>
+              <a:gd name="connsiteX4" fmla="*/ 428625 w 2343736"/>
+              <a:gd name="connsiteY4" fmla="*/ 60586 h 1775086"/>
+              <a:gd name="connsiteX5" fmla="*/ 0 w 2343736"/>
+              <a:gd name="connsiteY5" fmla="*/ 12961 h 1775086"/>
+            </a:gdLst>
+            <a:ahLst/>
+            <a:cxnLst>
+              <a:cxn ang="0">
+                <a:pos x="connsiteX0" y="connsiteY0"/>
+              </a:cxn>
+              <a:cxn ang="0">
+                <a:pos x="connsiteX1" y="connsiteY1"/>
+              </a:cxn>
+              <a:cxn ang="0">
+                <a:pos x="connsiteX2" y="connsiteY2"/>
+              </a:cxn>
+              <a:cxn ang="0">
+                <a:pos x="connsiteX3" y="connsiteY3"/>
+              </a:cxn>
+              <a:cxn ang="0">
+                <a:pos x="connsiteX4" y="connsiteY4"/>
+              </a:cxn>
+              <a:cxn ang="0">
+                <a:pos x="connsiteX5" y="connsiteY5"/>
+              </a:cxn>
+            </a:cxnLst>
+            <a:rect l="l" t="t" r="r" b="b"/>
+            <a:pathLst>
+              <a:path w="2343736" h="1775086">
+                <a:moveTo>
+                  <a:pt x="1857375" y="1775086"/>
+                </a:moveTo>
+                <a:cubicBezTo>
+                  <a:pt x="2032794" y="1706029"/>
+                  <a:pt x="2208213" y="1636973"/>
+                  <a:pt x="2276475" y="1508386"/>
+                </a:cubicBezTo>
+                <a:cubicBezTo>
+                  <a:pt x="2344737" y="1379799"/>
+                  <a:pt x="2389187" y="1173423"/>
+                  <a:pt x="2266950" y="1003561"/>
+                </a:cubicBezTo>
+                <a:cubicBezTo>
+                  <a:pt x="2144713" y="833699"/>
+                  <a:pt x="1849437" y="646373"/>
+                  <a:pt x="1543050" y="489211"/>
+                </a:cubicBezTo>
+                <a:cubicBezTo>
+                  <a:pt x="1236662" y="332048"/>
+                  <a:pt x="685800" y="139961"/>
+                  <a:pt x="428625" y="60586"/>
+                </a:cubicBezTo>
+                <a:cubicBezTo>
+                  <a:pt x="171450" y="-18789"/>
+                  <a:pt x="85725" y="-2914"/>
+                  <a:pt x="0" y="12961"/>
+                </a:cubicBezTo>
+              </a:path>
+            </a:pathLst>
+          </a:custGeom>
+          <a:ln w="28575">
+            <a:solidFill>
+              <a:schemeClr val="accent6">
+                <a:lumMod val="75000"/>
+              </a:schemeClr>
+            </a:solidFill>
+          </a:ln>
+        </p:spPr>
+        <p:style>
+          <a:lnRef idx="1">
+            <a:schemeClr val="accent1"/>
+          </a:lnRef>
+          <a:fillRef idx="0">
+            <a:schemeClr val="accent1"/>
+          </a:fillRef>
+          <a:effectRef idx="0">
+            <a:schemeClr val="accent1"/>
+          </a:effectRef>
+          <a:fontRef idx="minor">
+            <a:schemeClr val="tx1"/>
+          </a:fontRef>
+        </p:style>
+        <p:txBody>
+          <a:bodyPr rtlCol="0" anchor="ctr"/>
+          <a:lstStyle/>
+          <a:p>
+            <a:pPr algn="ctr"/>
+            <a:endParaRPr lang="da-DK"/>
+          </a:p>
+        </p:txBody>
+      </p:sp>
+      <p:sp>
+        <p:nvSpPr>
+          <p:cNvPr id="39" name="Rectangle 38"/>
+          <p:cNvSpPr/>
+          <p:nvPr/>
+        </p:nvSpPr>
+        <p:spPr>
+          <a:xfrm>
+            <a:off x="4283968" y="1858180"/>
+            <a:ext cx="576064" cy="396044"/>
+          </a:xfrm>
+          <a:prstGeom prst="rect">
+            <a:avLst/>
+          </a:prstGeom>
+          <a:solidFill>
+            <a:srgbClr val="008000"/>
+          </a:solidFill>
+        </p:spPr>
+        <p:style>
+          <a:lnRef idx="0">
+            <a:schemeClr val="accent3"/>
+          </a:lnRef>
+          <a:fillRef idx="3">
+            <a:schemeClr val="accent3"/>
+          </a:fillRef>
+          <a:effectRef idx="3">
+            <a:schemeClr val="accent3"/>
+          </a:effectRef>
+          <a:fontRef idx="minor">
+            <a:schemeClr val="lt1"/>
+          </a:fontRef>
+        </p:style>
+        <p:txBody>
+          <a:bodyPr rtlCol="0" anchor="ctr"/>
+          <a:lstStyle/>
+          <a:p>
+            <a:pPr algn="ctr"/>
+            <a:r>
+              <a:rPr lang="da-DK" sz="1100" dirty="0" smtClean="0">
+                <a:solidFill>
+                  <a:schemeClr val="tx1"/>
+                </a:solidFill>
+              </a:rPr>
+              <a:t>Node5</a:t>
+            </a:r>
+            <a:endParaRPr lang="da-DK" sz="1100" dirty="0">
+              <a:solidFill>
+                <a:schemeClr val="tx1"/>
+              </a:solidFill>
+            </a:endParaRPr>
+          </a:p>
+        </p:txBody>
+      </p:sp>
+      <p:sp>
+        <p:nvSpPr>
+          <p:cNvPr id="75" name="Freeform 74"/>
+          <p:cNvSpPr/>
+          <p:nvPr/>
+        </p:nvSpPr>
+        <p:spPr>
+          <a:xfrm>
+            <a:off x="1281805" y="3357448"/>
+            <a:ext cx="2697517" cy="1405052"/>
+          </a:xfrm>
+          <a:custGeom>
+            <a:avLst/>
+            <a:gdLst>
+              <a:gd name="connsiteX0" fmla="*/ 2552700 w 2552700"/>
+              <a:gd name="connsiteY0" fmla="*/ 1405052 h 1405052"/>
+              <a:gd name="connsiteX1" fmla="*/ 2286000 w 2552700"/>
+              <a:gd name="connsiteY1" fmla="*/ 1128827 h 1405052"/>
+              <a:gd name="connsiteX2" fmla="*/ 1362075 w 2552700"/>
+              <a:gd name="connsiteY2" fmla="*/ 1147877 h 1405052"/>
+              <a:gd name="connsiteX3" fmla="*/ 638175 w 2552700"/>
+              <a:gd name="connsiteY3" fmla="*/ 624002 h 1405052"/>
+              <a:gd name="connsiteX4" fmla="*/ 342900 w 2552700"/>
+              <a:gd name="connsiteY4" fmla="*/ 90602 h 1405052"/>
+              <a:gd name="connsiteX5" fmla="*/ 0 w 2552700"/>
+              <a:gd name="connsiteY5" fmla="*/ 4877 h 1405052"/>
+            </a:gdLst>
+            <a:ahLst/>
+            <a:cxnLst>
+              <a:cxn ang="0">
+                <a:pos x="connsiteX0" y="connsiteY0"/>
+              </a:cxn>
+              <a:cxn ang="0">
+                <a:pos x="connsiteX1" y="connsiteY1"/>
+              </a:cxn>
+              <a:cxn ang="0">
+                <a:pos x="connsiteX2" y="connsiteY2"/>
+              </a:cxn>
+              <a:cxn ang="0">
+                <a:pos x="connsiteX3" y="connsiteY3"/>
+              </a:cxn>
+              <a:cxn ang="0">
+                <a:pos x="connsiteX4" y="connsiteY4"/>
+              </a:cxn>
+              <a:cxn ang="0">
+                <a:pos x="connsiteX5" y="connsiteY5"/>
+              </a:cxn>
+            </a:cxnLst>
+            <a:rect l="l" t="t" r="r" b="b"/>
+            <a:pathLst>
+              <a:path w="2552700" h="1405052">
+                <a:moveTo>
+                  <a:pt x="2552700" y="1405052"/>
+                </a:moveTo>
+                <a:cubicBezTo>
+                  <a:pt x="2518568" y="1288370"/>
+                  <a:pt x="2484437" y="1171689"/>
+                  <a:pt x="2286000" y="1128827"/>
+                </a:cubicBezTo>
+                <a:cubicBezTo>
+                  <a:pt x="2087562" y="1085964"/>
+                  <a:pt x="1636712" y="1232014"/>
+                  <a:pt x="1362075" y="1147877"/>
+                </a:cubicBezTo>
+                <a:cubicBezTo>
+                  <a:pt x="1087437" y="1063739"/>
+                  <a:pt x="808037" y="800214"/>
+                  <a:pt x="638175" y="624002"/>
+                </a:cubicBezTo>
+                <a:cubicBezTo>
+                  <a:pt x="468313" y="447790"/>
+                  <a:pt x="449262" y="193789"/>
+                  <a:pt x="342900" y="90602"/>
+                </a:cubicBezTo>
+                <a:cubicBezTo>
+                  <a:pt x="236538" y="-12585"/>
+                  <a:pt x="118269" y="-3854"/>
+                  <a:pt x="0" y="4877"/>
+                </a:cubicBezTo>
+              </a:path>
+            </a:pathLst>
+          </a:custGeom>
+          <a:ln w="28575">
+            <a:solidFill>
+              <a:schemeClr val="accent6">
+                <a:lumMod val="75000"/>
+              </a:schemeClr>
+            </a:solidFill>
+          </a:ln>
+        </p:spPr>
+        <p:style>
+          <a:lnRef idx="1">
+            <a:schemeClr val="accent1"/>
+          </a:lnRef>
+          <a:fillRef idx="0">
+            <a:schemeClr val="accent1"/>
+          </a:fillRef>
+          <a:effectRef idx="0">
+            <a:schemeClr val="accent1"/>
+          </a:effectRef>
+          <a:fontRef idx="minor">
+            <a:schemeClr val="tx1"/>
+          </a:fontRef>
+        </p:style>
+        <p:txBody>
+          <a:bodyPr rtlCol="0" anchor="ctr"/>
+          <a:lstStyle/>
+          <a:p>
+            <a:pPr algn="ctr"/>
+            <a:endParaRPr lang="da-DK"/>
+          </a:p>
+        </p:txBody>
+      </p:sp>
+      <p:sp>
+        <p:nvSpPr>
+          <p:cNvPr id="43" name="Rectangle 42"/>
+          <p:cNvSpPr/>
+          <p:nvPr/>
+        </p:nvSpPr>
+        <p:spPr>
+          <a:xfrm>
+            <a:off x="779514" y="3140968"/>
+            <a:ext cx="576064" cy="396044"/>
+          </a:xfrm>
+          <a:prstGeom prst="rect">
+            <a:avLst/>
+          </a:prstGeom>
+          <a:solidFill>
+            <a:srgbClr val="008000"/>
+          </a:solidFill>
+        </p:spPr>
+        <p:style>
+          <a:lnRef idx="0">
+            <a:schemeClr val="accent3"/>
+          </a:lnRef>
+          <a:fillRef idx="3">
+            <a:schemeClr val="accent3"/>
+          </a:fillRef>
+          <a:effectRef idx="3">
+            <a:schemeClr val="accent3"/>
+          </a:effectRef>
+          <a:fontRef idx="minor">
+            <a:schemeClr val="lt1"/>
+          </a:fontRef>
+        </p:style>
+        <p:txBody>
+          <a:bodyPr rtlCol="0" anchor="ctr"/>
+          <a:lstStyle/>
+          <a:p>
+            <a:pPr algn="ctr"/>
+            <a:r>
+              <a:rPr lang="da-DK" sz="1100" dirty="0" smtClean="0">
+                <a:solidFill>
+                  <a:schemeClr val="tx1"/>
+                </a:solidFill>
+              </a:rPr>
+              <a:t>Node6</a:t>
+            </a:r>
+            <a:endParaRPr lang="da-DK" sz="1100" dirty="0">
+              <a:solidFill>
+                <a:schemeClr val="tx1"/>
+              </a:solidFill>
+            </a:endParaRPr>
+          </a:p>
+        </p:txBody>
+      </p:sp>
+      <p:sp>
+        <p:nvSpPr>
+          <p:cNvPr id="76" name="Freeform 75"/>
+          <p:cNvSpPr/>
+          <p:nvPr/>
+        </p:nvSpPr>
+        <p:spPr>
+          <a:xfrm>
+            <a:off x="1671087" y="2934237"/>
+            <a:ext cx="107707" cy="763844"/>
+          </a:xfrm>
+          <a:custGeom>
+            <a:avLst/>
+            <a:gdLst>
+              <a:gd name="connsiteX0" fmla="*/ 95801 w 95801"/>
+              <a:gd name="connsiteY0" fmla="*/ 695325 h 695325"/>
+              <a:gd name="connsiteX1" fmla="*/ 5313 w 95801"/>
+              <a:gd name="connsiteY1" fmla="*/ 404813 h 695325"/>
+              <a:gd name="connsiteX2" fmla="*/ 10076 w 95801"/>
+              <a:gd name="connsiteY2" fmla="*/ 0 h 695325"/>
+            </a:gdLst>
+            <a:ahLst/>
+            <a:cxnLst>
+              <a:cxn ang="0">
+                <a:pos x="connsiteX0" y="connsiteY0"/>
+              </a:cxn>
+              <a:cxn ang="0">
+                <a:pos x="connsiteX1" y="connsiteY1"/>
+              </a:cxn>
+              <a:cxn ang="0">
+                <a:pos x="connsiteX2" y="connsiteY2"/>
+              </a:cxn>
+            </a:cxnLst>
+            <a:rect l="l" t="t" r="r" b="b"/>
+            <a:pathLst>
+              <a:path w="95801" h="695325">
+                <a:moveTo>
+                  <a:pt x="95801" y="695325"/>
+                </a:moveTo>
+                <a:cubicBezTo>
+                  <a:pt x="57700" y="608012"/>
+                  <a:pt x="19600" y="520700"/>
+                  <a:pt x="5313" y="404813"/>
+                </a:cubicBezTo>
+                <a:cubicBezTo>
+                  <a:pt x="-8975" y="288925"/>
+                  <a:pt x="10076" y="0"/>
+                  <a:pt x="10076" y="0"/>
+                </a:cubicBezTo>
+              </a:path>
+            </a:pathLst>
+          </a:custGeom>
+          <a:ln w="28575">
+            <a:solidFill>
+              <a:schemeClr val="accent6">
+                <a:lumMod val="75000"/>
+              </a:schemeClr>
+            </a:solidFill>
+          </a:ln>
+        </p:spPr>
+        <p:style>
+          <a:lnRef idx="1">
+            <a:schemeClr val="accent1"/>
+          </a:lnRef>
+          <a:fillRef idx="0">
+            <a:schemeClr val="accent1"/>
+          </a:fillRef>
+          <a:effectRef idx="0">
+            <a:schemeClr val="accent1"/>
+          </a:effectRef>
+          <a:fontRef idx="minor">
+            <a:schemeClr val="tx1"/>
+          </a:fontRef>
+        </p:style>
+        <p:txBody>
+          <a:bodyPr rtlCol="0" anchor="ctr"/>
+          <a:lstStyle/>
+          <a:p>
+            <a:pPr algn="ctr"/>
+            <a:endParaRPr lang="da-DK"/>
+          </a:p>
+        </p:txBody>
+      </p:sp>
+      <p:sp>
+        <p:nvSpPr>
+          <p:cNvPr id="40" name="Rectangle 39"/>
+          <p:cNvSpPr/>
+          <p:nvPr/>
+        </p:nvSpPr>
+        <p:spPr>
+          <a:xfrm>
+            <a:off x="1567054" y="2564904"/>
+            <a:ext cx="576064" cy="396044"/>
+          </a:xfrm>
+          <a:prstGeom prst="rect">
+            <a:avLst/>
+          </a:prstGeom>
+          <a:solidFill>
+            <a:srgbClr val="008000"/>
+          </a:solidFill>
+        </p:spPr>
+        <p:style>
+          <a:lnRef idx="0">
+            <a:schemeClr val="accent3"/>
+          </a:lnRef>
+          <a:fillRef idx="3">
+            <a:schemeClr val="accent3"/>
+          </a:fillRef>
+          <a:effectRef idx="3">
+            <a:schemeClr val="accent3"/>
+          </a:effectRef>
+          <a:fontRef idx="minor">
+            <a:schemeClr val="lt1"/>
+          </a:fontRef>
+        </p:style>
+        <p:txBody>
+          <a:bodyPr rtlCol="0" anchor="ctr"/>
+          <a:lstStyle/>
+          <a:p>
+            <a:pPr algn="ctr"/>
+            <a:r>
+              <a:rPr lang="da-DK" sz="1100" dirty="0" smtClean="0">
+                <a:solidFill>
+                  <a:schemeClr val="tx1"/>
+                </a:solidFill>
+              </a:rPr>
+              <a:t>Node2</a:t>
+            </a:r>
+            <a:endParaRPr lang="da-DK" sz="1100" dirty="0">
+              <a:solidFill>
+                <a:schemeClr val="tx1"/>
+              </a:solidFill>
+            </a:endParaRPr>
+          </a:p>
+        </p:txBody>
+      </p:sp>
+      <p:cxnSp>
+        <p:nvCxnSpPr>
+          <p:cNvPr id="78" name="Straight Connector 77"/>
+          <p:cNvCxnSpPr/>
+          <p:nvPr/>
+        </p:nvCxnSpPr>
+        <p:spPr>
+          <a:xfrm>
+            <a:off x="3579883" y="4857033"/>
+            <a:ext cx="347903" cy="0"/>
+          </a:xfrm>
+          <a:prstGeom prst="line">
+            <a:avLst/>
+          </a:prstGeom>
+        </p:spPr>
+        <p:style>
+          <a:lnRef idx="1">
+            <a:schemeClr val="accent1"/>
+          </a:lnRef>
+          <a:fillRef idx="0">
+            <a:schemeClr val="accent1"/>
+          </a:fillRef>
+          <a:effectRef idx="0">
+            <a:schemeClr val="accent1"/>
+          </a:effectRef>
+          <a:fontRef idx="minor">
+            <a:schemeClr val="tx1"/>
+          </a:fontRef>
+        </p:style>
+      </p:cxnSp>
+      <p:cxnSp>
+        <p:nvCxnSpPr>
+          <p:cNvPr id="80" name="Straight Connector 79"/>
+          <p:cNvCxnSpPr/>
+          <p:nvPr/>
+        </p:nvCxnSpPr>
+        <p:spPr>
+          <a:xfrm>
+            <a:off x="3579883" y="4813091"/>
+            <a:ext cx="347903" cy="0"/>
+          </a:xfrm>
+          <a:prstGeom prst="line">
+            <a:avLst/>
+          </a:prstGeom>
+        </p:spPr>
+        <p:style>
+          <a:lnRef idx="1">
+            <a:schemeClr val="accent1"/>
+          </a:lnRef>
+          <a:fillRef idx="0">
+            <a:schemeClr val="accent1"/>
+          </a:fillRef>
+          <a:effectRef idx="0">
+            <a:schemeClr val="accent1"/>
+          </a:effectRef>
+          <a:fontRef idx="minor">
+            <a:schemeClr val="tx1"/>
+          </a:fontRef>
+        </p:style>
+      </p:cxnSp>
+      <p:cxnSp>
+        <p:nvCxnSpPr>
+          <p:cNvPr id="81" name="Straight Connector 80"/>
+          <p:cNvCxnSpPr/>
+          <p:nvPr/>
+        </p:nvCxnSpPr>
+        <p:spPr>
+          <a:xfrm>
+            <a:off x="3579883" y="4762500"/>
+            <a:ext cx="347903" cy="0"/>
+          </a:xfrm>
+          <a:prstGeom prst="line">
+            <a:avLst/>
+          </a:prstGeom>
+        </p:spPr>
+        <p:style>
+          <a:lnRef idx="1">
+            <a:schemeClr val="accent1"/>
+          </a:lnRef>
+          <a:fillRef idx="0">
+            <a:schemeClr val="accent1"/>
+          </a:fillRef>
+          <a:effectRef idx="0">
+            <a:schemeClr val="accent1"/>
+          </a:effectRef>
+          <a:fontRef idx="minor">
+            <a:schemeClr val="tx1"/>
+          </a:fontRef>
+        </p:style>
+      </p:cxnSp>
+      <p:grpSp>
+        <p:nvGrpSpPr>
+          <p:cNvPr id="94" name="Group 93"/>
+          <p:cNvGrpSpPr/>
+          <p:nvPr/>
+        </p:nvGrpSpPr>
+        <p:grpSpPr>
+          <a:xfrm>
+            <a:off x="2976758" y="5085184"/>
+            <a:ext cx="272246" cy="376474"/>
+            <a:chOff x="5600369" y="5871951"/>
+            <a:chExt cx="272246" cy="376474"/>
+          </a:xfrm>
+        </p:grpSpPr>
+        <p:cxnSp>
+          <p:nvCxnSpPr>
+            <p:cNvPr id="83" name="Straight Connector 82"/>
+            <p:cNvCxnSpPr/>
+            <p:nvPr/>
+          </p:nvCxnSpPr>
+          <p:spPr>
+            <a:xfrm>
+              <a:off x="5736492" y="5959449"/>
+              <a:ext cx="0" cy="288976"/>
+            </a:xfrm>
+            <a:prstGeom prst="line">
+              <a:avLst/>
+            </a:prstGeom>
+            <a:ln>
+              <a:solidFill>
+                <a:schemeClr val="tx1"/>
+              </a:solidFill>
+            </a:ln>
+          </p:spPr>
+          <p:style>
+            <a:lnRef idx="1">
+              <a:schemeClr val="accent1"/>
+            </a:lnRef>
+            <a:fillRef idx="0">
+              <a:schemeClr val="accent1"/>
+            </a:fillRef>
+            <a:effectRef idx="0">
+              <a:schemeClr val="accent1"/>
+            </a:effectRef>
+            <a:fontRef idx="minor">
+              <a:schemeClr val="tx1"/>
+            </a:fontRef>
+          </p:style>
+        </p:cxnSp>
+        <p:cxnSp>
+          <p:nvCxnSpPr>
+            <p:cNvPr id="87" name="Straight Connector 86"/>
+            <p:cNvCxnSpPr/>
+            <p:nvPr/>
+          </p:nvCxnSpPr>
+          <p:spPr>
+            <a:xfrm>
+              <a:off x="5600369" y="5953706"/>
+              <a:ext cx="136123" cy="154657"/>
+            </a:xfrm>
+            <a:prstGeom prst="line">
+              <a:avLst/>
+            </a:prstGeom>
+            <a:ln>
+              <a:solidFill>
+                <a:schemeClr val="tx1"/>
+              </a:solidFill>
+            </a:ln>
+          </p:spPr>
+          <p:style>
+            <a:lnRef idx="1">
+              <a:schemeClr val="accent1"/>
+            </a:lnRef>
+            <a:fillRef idx="0">
+              <a:schemeClr val="accent1"/>
+            </a:fillRef>
+            <a:effectRef idx="0">
+              <a:schemeClr val="accent1"/>
+            </a:effectRef>
+            <a:fontRef idx="minor">
+              <a:schemeClr val="tx1"/>
+            </a:fontRef>
+          </p:style>
+        </p:cxnSp>
+        <p:cxnSp>
+          <p:nvCxnSpPr>
+            <p:cNvPr id="89" name="Straight Connector 88"/>
+            <p:cNvCxnSpPr/>
+            <p:nvPr/>
+          </p:nvCxnSpPr>
+          <p:spPr>
+            <a:xfrm flipH="1">
+              <a:off x="5736492" y="5953707"/>
+              <a:ext cx="136123" cy="154657"/>
+            </a:xfrm>
+            <a:prstGeom prst="line">
+              <a:avLst/>
+            </a:prstGeom>
+            <a:ln>
+              <a:solidFill>
+                <a:schemeClr val="tx1"/>
+              </a:solidFill>
+            </a:ln>
+          </p:spPr>
+          <p:style>
+            <a:lnRef idx="1">
+              <a:schemeClr val="accent1"/>
+            </a:lnRef>
+            <a:fillRef idx="0">
+              <a:schemeClr val="accent1"/>
+            </a:fillRef>
+            <a:effectRef idx="0">
+              <a:schemeClr val="accent1"/>
+            </a:effectRef>
+            <a:fontRef idx="minor">
+              <a:schemeClr val="tx1"/>
+            </a:fontRef>
+          </p:style>
+        </p:cxnSp>
+        <p:cxnSp>
+          <p:nvCxnSpPr>
+            <p:cNvPr id="90" name="Straight Connector 89"/>
+            <p:cNvCxnSpPr/>
+            <p:nvPr/>
+          </p:nvCxnSpPr>
+          <p:spPr>
+            <a:xfrm flipH="1">
+              <a:off x="5736492" y="6021288"/>
+              <a:ext cx="136123" cy="154657"/>
+            </a:xfrm>
+            <a:prstGeom prst="line">
+              <a:avLst/>
+            </a:prstGeom>
+            <a:ln>
+              <a:solidFill>
+                <a:schemeClr val="tx1"/>
+              </a:solidFill>
+            </a:ln>
+          </p:spPr>
+          <p:style>
+            <a:lnRef idx="1">
+              <a:schemeClr val="accent1"/>
+            </a:lnRef>
+            <a:fillRef idx="0">
+              <a:schemeClr val="accent1"/>
+            </a:fillRef>
+            <a:effectRef idx="0">
+              <a:schemeClr val="accent1"/>
+            </a:effectRef>
+            <a:fontRef idx="minor">
+              <a:schemeClr val="tx1"/>
+            </a:fontRef>
+          </p:style>
+        </p:cxnSp>
+        <p:cxnSp>
+          <p:nvCxnSpPr>
+            <p:cNvPr id="91" name="Straight Connector 90"/>
+            <p:cNvCxnSpPr/>
+            <p:nvPr/>
+          </p:nvCxnSpPr>
+          <p:spPr>
+            <a:xfrm>
+              <a:off x="5603448" y="6026608"/>
+              <a:ext cx="136123" cy="154657"/>
+            </a:xfrm>
+            <a:prstGeom prst="line">
+              <a:avLst/>
+            </a:prstGeom>
+            <a:ln>
+              <a:solidFill>
+                <a:schemeClr val="tx1"/>
+              </a:solidFill>
+            </a:ln>
+          </p:spPr>
+          <p:style>
+            <a:lnRef idx="1">
+              <a:schemeClr val="accent1"/>
+            </a:lnRef>
+            <a:fillRef idx="0">
+              <a:schemeClr val="accent1"/>
+            </a:fillRef>
+            <a:effectRef idx="0">
+              <a:schemeClr val="accent1"/>
+            </a:effectRef>
+            <a:fontRef idx="minor">
+              <a:schemeClr val="tx1"/>
+            </a:fontRef>
+          </p:style>
+        </p:cxnSp>
+        <p:cxnSp>
+          <p:nvCxnSpPr>
+            <p:cNvPr id="92" name="Straight Connector 91"/>
+            <p:cNvCxnSpPr/>
+            <p:nvPr/>
+          </p:nvCxnSpPr>
+          <p:spPr>
+            <a:xfrm flipH="1">
+              <a:off x="5736492" y="5871951"/>
+              <a:ext cx="136123" cy="154657"/>
+            </a:xfrm>
+            <a:prstGeom prst="line">
+              <a:avLst/>
+            </a:prstGeom>
+            <a:ln>
+              <a:solidFill>
+                <a:schemeClr val="tx1"/>
+              </a:solidFill>
+            </a:ln>
+          </p:spPr>
+          <p:style>
+            <a:lnRef idx="1">
+              <a:schemeClr val="accent1"/>
+            </a:lnRef>
+            <a:fillRef idx="0">
+              <a:schemeClr val="accent1"/>
+            </a:fillRef>
+            <a:effectRef idx="0">
+              <a:schemeClr val="accent1"/>
+            </a:effectRef>
+            <a:fontRef idx="minor">
+              <a:schemeClr val="tx1"/>
+            </a:fontRef>
+          </p:style>
+        </p:cxnSp>
+        <p:cxnSp>
+          <p:nvCxnSpPr>
+            <p:cNvPr id="93" name="Straight Connector 92"/>
+            <p:cNvCxnSpPr/>
+            <p:nvPr/>
+          </p:nvCxnSpPr>
+          <p:spPr>
+            <a:xfrm>
+              <a:off x="5600369" y="5876377"/>
+              <a:ext cx="136123" cy="154657"/>
+            </a:xfrm>
+            <a:prstGeom prst="line">
+              <a:avLst/>
+            </a:prstGeom>
+            <a:ln>
+              <a:solidFill>
+                <a:schemeClr val="tx1"/>
+              </a:solidFill>
+            </a:ln>
+          </p:spPr>
+          <p:style>
+            <a:lnRef idx="1">
+              <a:schemeClr val="accent1"/>
+            </a:lnRef>
+            <a:fillRef idx="0">
+              <a:schemeClr val="accent1"/>
+            </a:fillRef>
+            <a:effectRef idx="0">
+              <a:schemeClr val="accent1"/>
+            </a:effectRef>
+            <a:fontRef idx="minor">
+              <a:schemeClr val="tx1"/>
+            </a:fontRef>
+          </p:style>
+        </p:cxnSp>
+      </p:grpSp>
+      <p:sp>
+        <p:nvSpPr>
+          <p:cNvPr id="95" name="Freeform 94"/>
+          <p:cNvSpPr/>
+          <p:nvPr/>
+        </p:nvSpPr>
+        <p:spPr>
+          <a:xfrm>
+            <a:off x="3111500" y="4991100"/>
+            <a:ext cx="819150" cy="500063"/>
+          </a:xfrm>
+          <a:custGeom>
+            <a:avLst/>
+            <a:gdLst>
+              <a:gd name="connsiteX0" fmla="*/ 0 w 819150"/>
+              <a:gd name="connsiteY0" fmla="*/ 476250 h 510391"/>
+              <a:gd name="connsiteX1" fmla="*/ 63500 w 819150"/>
+              <a:gd name="connsiteY1" fmla="*/ 508000 h 510391"/>
+              <a:gd name="connsiteX2" fmla="*/ 196850 w 819150"/>
+              <a:gd name="connsiteY2" fmla="*/ 419100 h 510391"/>
+              <a:gd name="connsiteX3" fmla="*/ 565150 w 819150"/>
+              <a:gd name="connsiteY3" fmla="*/ 133350 h 510391"/>
+              <a:gd name="connsiteX4" fmla="*/ 819150 w 819150"/>
+              <a:gd name="connsiteY4" fmla="*/ 0 h 510391"/>
+            </a:gdLst>
+            <a:ahLst/>
+            <a:cxnLst>
+              <a:cxn ang="0">
+                <a:pos x="connsiteX0" y="connsiteY0"/>
+              </a:cxn>
+              <a:cxn ang="0">
+                <a:pos x="connsiteX1" y="connsiteY1"/>
+              </a:cxn>
+              <a:cxn ang="0">
+                <a:pos x="connsiteX2" y="connsiteY2"/>
+              </a:cxn>
+              <a:cxn ang="0">
+                <a:pos x="connsiteX3" y="connsiteY3"/>
+              </a:cxn>
+              <a:cxn ang="0">
+                <a:pos x="connsiteX4" y="connsiteY4"/>
+              </a:cxn>
+            </a:cxnLst>
+            <a:rect l="l" t="t" r="r" b="b"/>
+            <a:pathLst>
+              <a:path w="819150" h="510391">
+                <a:moveTo>
+                  <a:pt x="0" y="476250"/>
+                </a:moveTo>
+                <a:cubicBezTo>
+                  <a:pt x="15346" y="496887"/>
+                  <a:pt x="30692" y="517525"/>
+                  <a:pt x="63500" y="508000"/>
+                </a:cubicBezTo>
+                <a:cubicBezTo>
+                  <a:pt x="96308" y="498475"/>
+                  <a:pt x="113242" y="481542"/>
+                  <a:pt x="196850" y="419100"/>
+                </a:cubicBezTo>
+                <a:cubicBezTo>
+                  <a:pt x="280458" y="356658"/>
+                  <a:pt x="461433" y="203200"/>
+                  <a:pt x="565150" y="133350"/>
+                </a:cubicBezTo>
+                <a:cubicBezTo>
+                  <a:pt x="668867" y="63500"/>
+                  <a:pt x="744008" y="31750"/>
+                  <a:pt x="819150" y="0"/>
+                </a:cubicBezTo>
+              </a:path>
+            </a:pathLst>
+          </a:custGeom>
+          <a:ln>
+            <a:solidFill>
+              <a:schemeClr val="tx1"/>
+            </a:solidFill>
+          </a:ln>
+        </p:spPr>
+        <p:style>
+          <a:lnRef idx="1">
+            <a:schemeClr val="accent1"/>
+          </a:lnRef>
+          <a:fillRef idx="0">
+            <a:schemeClr val="accent1"/>
+          </a:fillRef>
+          <a:effectRef idx="0">
+            <a:schemeClr val="accent1"/>
+          </a:effectRef>
+          <a:fontRef idx="minor">
+            <a:schemeClr val="tx1"/>
+          </a:fontRef>
+        </p:style>
+        <p:txBody>
+          <a:bodyPr rtlCol="0" anchor="ctr"/>
+          <a:lstStyle/>
+          <a:p>
+            <a:pPr algn="ctr"/>
+            <a:endParaRPr lang="da-DK"/>
+          </a:p>
+        </p:txBody>
+      </p:sp>
+      <p:sp>
+        <p:nvSpPr>
+          <p:cNvPr id="38" name="Rectangle 37"/>
+          <p:cNvSpPr/>
+          <p:nvPr/>
+        </p:nvSpPr>
+        <p:spPr>
+          <a:xfrm>
+            <a:off x="3925562" y="4608422"/>
+            <a:ext cx="790453" cy="396044"/>
+          </a:xfrm>
+          <a:prstGeom prst="rect">
+            <a:avLst/>
+          </a:prstGeom>
+          <a:solidFill>
+            <a:srgbClr val="008000"/>
+          </a:solidFill>
+        </p:spPr>
+        <p:style>
+          <a:lnRef idx="0">
+            <a:schemeClr val="accent3"/>
+          </a:lnRef>
+          <a:fillRef idx="3">
+            <a:schemeClr val="accent3"/>
+          </a:fillRef>
+          <a:effectRef idx="3">
+            <a:schemeClr val="accent3"/>
+          </a:effectRef>
+          <a:fontRef idx="minor">
+            <a:schemeClr val="lt1"/>
+          </a:fontRef>
+        </p:style>
+        <p:txBody>
+          <a:bodyPr rtlCol="0" anchor="ctr"/>
+          <a:lstStyle/>
+          <a:p>
+            <a:pPr algn="ctr"/>
+            <a:r>
+              <a:rPr lang="da-DK" sz="1100" dirty="0" smtClean="0">
+                <a:solidFill>
+                  <a:schemeClr val="tx1"/>
+                </a:solidFill>
+              </a:rPr>
+              <a:t>Node1 </a:t>
+            </a:r>
+          </a:p>
+          <a:p>
+            <a:pPr algn="ctr"/>
+            <a:r>
+              <a:rPr lang="da-DK" sz="1100" dirty="0" smtClean="0">
+                <a:solidFill>
+                  <a:schemeClr val="tx1"/>
+                </a:solidFill>
+              </a:rPr>
+              <a:t>(SD, </a:t>
+            </a:r>
+            <a:r>
+              <a:rPr lang="da-DK" sz="1100" dirty="0" err="1" smtClean="0">
+                <a:solidFill>
+                  <a:schemeClr val="tx1"/>
+                </a:solidFill>
+              </a:rPr>
+              <a:t>Xbee</a:t>
+            </a:r>
+            <a:r>
+              <a:rPr lang="da-DK" sz="1100" dirty="0" smtClean="0">
+                <a:solidFill>
+                  <a:schemeClr val="tx1"/>
+                </a:solidFill>
+              </a:rPr>
+              <a:t>)</a:t>
+            </a:r>
+            <a:endParaRPr lang="da-DK" sz="1100" dirty="0">
+              <a:solidFill>
+                <a:schemeClr val="tx1"/>
+              </a:solidFill>
+            </a:endParaRPr>
+          </a:p>
+        </p:txBody>
+      </p:sp>
+      <p:sp>
+        <p:nvSpPr>
+          <p:cNvPr id="96" name="Rectangle 95"/>
+          <p:cNvSpPr/>
+          <p:nvPr/>
+        </p:nvSpPr>
+        <p:spPr>
+          <a:xfrm>
+            <a:off x="2051720" y="5003884"/>
+            <a:ext cx="981551" cy="369332"/>
+          </a:xfrm>
+          <a:prstGeom prst="rect">
+            <a:avLst/>
+          </a:prstGeom>
+        </p:spPr>
+        <p:txBody>
+          <a:bodyPr wrap="none">
+            <a:spAutoFit/>
+          </a:bodyPr>
+          <a:lstStyle/>
+          <a:p>
+            <a:r>
+              <a:rPr lang="da-DK" dirty="0" err="1" smtClean="0"/>
+              <a:t>Antenna</a:t>
+            </a:r>
+            <a:endParaRPr lang="da-DK" dirty="0"/>
+          </a:p>
+        </p:txBody>
+      </p:sp>
+    </p:spTree>
+    <p:extLst>
+      <p:ext uri="{BB962C8B-B14F-4D97-AF65-F5344CB8AC3E}">
+        <p14:creationId xmlns:p14="http://schemas.microsoft.com/office/powerpoint/2010/main" val="2459457721"/>
+      </p:ext>
+    </p:extLst>
+  </p:cSld>
+  <p:clrMapOvr>
+    <a:masterClrMapping/>
+  </p:clrMapOvr>
+  <p:timing>
+    <p:tnLst>
+      <p:par>
+        <p:cTn id="1" dur="indefinite" restart="never" nodeType="tmRoot"/>
+      </p:par>
+    </p:tnLst>
+  </p:timing>
 </p:sld>
 </file>
 
